--- a/review1.pptx
+++ b/review1.pptx
@@ -20,10 +20,7 @@
     <p:sldId id="277" r:id="rId14"/>
     <p:sldId id="278" r:id="rId15"/>
     <p:sldId id="279" r:id="rId16"/>
-    <p:sldId id="282" r:id="rId17"/>
-    <p:sldId id="283" r:id="rId18"/>
-    <p:sldId id="281" r:id="rId19"/>
-    <p:sldId id="267" r:id="rId20"/>
+    <p:sldId id="267" r:id="rId17"/>
   </p:sldIdLst>
   <p:sldSz cx="12192000" cy="6858000"/>
   <p:notesSz cx="6858000" cy="9144000"/>
@@ -124,7 +121,7 @@
   </p:defaultTextStyle>
   <p:extLst>
     <p:ext uri="{521415D9-36F7-43E2-AB2F-B90AF26B5E84}">
-      <p14:sectionLst xmlns:p14="http://schemas.microsoft.com/office/powerpoint/2010/main">
+      <p14:sectionLst xmlns:p14="http://schemas.microsoft.com/office/powerpoint/2010/main" xmlns="">
         <p14:section name="Default Section" id="{6472590C-F7F7-4A5E-91CA-D0F6919A238E}">
           <p14:sldIdLst>
             <p14:sldId id="256"/>
@@ -135,38 +132,17 @@
           <p14:sldIdLst>
             <p14:sldId id="265"/>
             <p14:sldId id="266"/>
-            <p14:sldId id="280"/>
             <p14:sldId id="269"/>
             <p14:sldId id="271"/>
             <p14:sldId id="272"/>
             <p14:sldId id="273"/>
-            <p14:sldId id="274"/>
-            <p14:sldId id="275"/>
-            <p14:sldId id="276"/>
-            <p14:sldId id="277"/>
-            <p14:sldId id="278"/>
-            <p14:sldId id="279"/>
-            <p14:sldId id="282"/>
-            <p14:sldId id="283"/>
-            <p14:sldId id="281"/>
             <p14:sldId id="267"/>
           </p14:sldIdLst>
         </p14:section>
       </p14:sectionLst>
     </p:ext>
     <p:ext uri="{EFAFB233-063F-42B5-8137-9DF3F51BA10A}">
-      <p15:sldGuideLst xmlns:p15="http://schemas.microsoft.com/office/powerpoint/2012/main">
-        <p15:guide id="1" orient="horz" pos="2160">
-          <p15:clr>
-            <a:srgbClr val="A4A3A4"/>
-          </p15:clr>
-        </p15:guide>
-        <p15:guide id="2" pos="3840">
-          <p15:clr>
-            <a:srgbClr val="A4A3A4"/>
-          </p15:clr>
-        </p15:guide>
-      </p15:sldGuideLst>
+      <p15:sldGuideLst xmlns:p15="http://schemas.microsoft.com/office/powerpoint/2012/main" xmlns=""/>
     </p:ext>
   </p:extLst>
 </p:presentation>
@@ -304,7 +280,7 @@
             <a:fld id="{B61BEF0D-F0BB-DE4B-95CE-6DB70DBA9567}" type="datetimeFigureOut">
               <a:rPr lang="en-US" smtClean="0"/>
               <a:pPr/>
-              <a:t>1/4/2018</a:t>
+              <a:t>1/1/2018</a:t>
             </a:fld>
             <a:endParaRPr lang="en-US" dirty="0"/>
           </a:p>
@@ -356,7 +332,7 @@
     </p:spTree>
     <p:extLst>
       <p:ext uri="{BB962C8B-B14F-4D97-AF65-F5344CB8AC3E}">
-        <p14:creationId xmlns:p14="http://schemas.microsoft.com/office/powerpoint/2010/main" val="772169778"/>
+        <p14:creationId xmlns:p14="http://schemas.microsoft.com/office/powerpoint/2010/main" xmlns="" val="772169778"/>
       </p:ext>
     </p:extLst>
   </p:cSld>
@@ -476,7 +452,7 @@
             <a:fld id="{B61BEF0D-F0BB-DE4B-95CE-6DB70DBA9567}" type="datetimeFigureOut">
               <a:rPr lang="en-US" smtClean="0"/>
               <a:pPr/>
-              <a:t>1/4/2018</a:t>
+              <a:t>1/1/2018</a:t>
             </a:fld>
             <a:endParaRPr lang="en-US" dirty="0"/>
           </a:p>
@@ -528,7 +504,7 @@
     </p:spTree>
     <p:extLst>
       <p:ext uri="{BB962C8B-B14F-4D97-AF65-F5344CB8AC3E}">
-        <p14:creationId xmlns:p14="http://schemas.microsoft.com/office/powerpoint/2010/main" val="3724843703"/>
+        <p14:creationId xmlns:p14="http://schemas.microsoft.com/office/powerpoint/2010/main" xmlns="" val="3724843703"/>
       </p:ext>
     </p:extLst>
   </p:cSld>
@@ -658,7 +634,7 @@
             <a:fld id="{B61BEF0D-F0BB-DE4B-95CE-6DB70DBA9567}" type="datetimeFigureOut">
               <a:rPr lang="en-US" smtClean="0"/>
               <a:pPr/>
-              <a:t>1/4/2018</a:t>
+              <a:t>1/1/2018</a:t>
             </a:fld>
             <a:endParaRPr lang="en-US" dirty="0"/>
           </a:p>
@@ -710,7 +686,7 @@
     </p:spTree>
     <p:extLst>
       <p:ext uri="{BB962C8B-B14F-4D97-AF65-F5344CB8AC3E}">
-        <p14:creationId xmlns:p14="http://schemas.microsoft.com/office/powerpoint/2010/main" val="3018325168"/>
+        <p14:creationId xmlns:p14="http://schemas.microsoft.com/office/powerpoint/2010/main" xmlns="" val="3018325168"/>
       </p:ext>
     </p:extLst>
   </p:cSld>
@@ -830,7 +806,7 @@
             <a:fld id="{B61BEF0D-F0BB-DE4B-95CE-6DB70DBA9567}" type="datetimeFigureOut">
               <a:rPr lang="en-US" smtClean="0"/>
               <a:pPr/>
-              <a:t>1/4/2018</a:t>
+              <a:t>1/1/2018</a:t>
             </a:fld>
             <a:endParaRPr lang="en-US" dirty="0"/>
           </a:p>
@@ -882,7 +858,7 @@
     </p:spTree>
     <p:extLst>
       <p:ext uri="{BB962C8B-B14F-4D97-AF65-F5344CB8AC3E}">
-        <p14:creationId xmlns:p14="http://schemas.microsoft.com/office/powerpoint/2010/main" val="187061159"/>
+        <p14:creationId xmlns:p14="http://schemas.microsoft.com/office/powerpoint/2010/main" xmlns="" val="187061159"/>
       </p:ext>
     </p:extLst>
   </p:cSld>
@@ -1078,7 +1054,7 @@
             <a:fld id="{B61BEF0D-F0BB-DE4B-95CE-6DB70DBA9567}" type="datetimeFigureOut">
               <a:rPr lang="en-US" smtClean="0"/>
               <a:pPr/>
-              <a:t>1/4/2018</a:t>
+              <a:t>1/1/2018</a:t>
             </a:fld>
             <a:endParaRPr lang="en-US" dirty="0"/>
           </a:p>
@@ -1130,7 +1106,7 @@
     </p:spTree>
     <p:extLst>
       <p:ext uri="{BB962C8B-B14F-4D97-AF65-F5344CB8AC3E}">
-        <p14:creationId xmlns:p14="http://schemas.microsoft.com/office/powerpoint/2010/main" val="293277785"/>
+        <p14:creationId xmlns:p14="http://schemas.microsoft.com/office/powerpoint/2010/main" xmlns="" val="293277785"/>
       </p:ext>
     </p:extLst>
   </p:cSld>
@@ -1312,7 +1288,7 @@
             <a:fld id="{B61BEF0D-F0BB-DE4B-95CE-6DB70DBA9567}" type="datetimeFigureOut">
               <a:rPr lang="en-US" smtClean="0"/>
               <a:pPr/>
-              <a:t>1/4/2018</a:t>
+              <a:t>1/1/2018</a:t>
             </a:fld>
             <a:endParaRPr lang="en-US" dirty="0"/>
           </a:p>
@@ -1364,7 +1340,7 @@
     </p:spTree>
     <p:extLst>
       <p:ext uri="{BB962C8B-B14F-4D97-AF65-F5344CB8AC3E}">
-        <p14:creationId xmlns:p14="http://schemas.microsoft.com/office/powerpoint/2010/main" val="3398411872"/>
+        <p14:creationId xmlns:p14="http://schemas.microsoft.com/office/powerpoint/2010/main" xmlns="" val="3398411872"/>
       </p:ext>
     </p:extLst>
   </p:cSld>
@@ -1681,7 +1657,7 @@
             <a:fld id="{B61BEF0D-F0BB-DE4B-95CE-6DB70DBA9567}" type="datetimeFigureOut">
               <a:rPr lang="en-US" smtClean="0"/>
               <a:pPr/>
-              <a:t>1/4/2018</a:t>
+              <a:t>1/1/2018</a:t>
             </a:fld>
             <a:endParaRPr lang="en-US" dirty="0"/>
           </a:p>
@@ -1733,7 +1709,7 @@
     </p:spTree>
     <p:extLst>
       <p:ext uri="{BB962C8B-B14F-4D97-AF65-F5344CB8AC3E}">
-        <p14:creationId xmlns:p14="http://schemas.microsoft.com/office/powerpoint/2010/main" val="3706395883"/>
+        <p14:creationId xmlns:p14="http://schemas.microsoft.com/office/powerpoint/2010/main" xmlns="" val="3706395883"/>
       </p:ext>
     </p:extLst>
   </p:cSld>
@@ -1801,7 +1777,7 @@
             <a:fld id="{B61BEF0D-F0BB-DE4B-95CE-6DB70DBA9567}" type="datetimeFigureOut">
               <a:rPr lang="en-US" smtClean="0"/>
               <a:pPr/>
-              <a:t>1/4/2018</a:t>
+              <a:t>1/1/2018</a:t>
             </a:fld>
             <a:endParaRPr lang="en-US" dirty="0"/>
           </a:p>
@@ -1853,7 +1829,7 @@
     </p:spTree>
     <p:extLst>
       <p:ext uri="{BB962C8B-B14F-4D97-AF65-F5344CB8AC3E}">
-        <p14:creationId xmlns:p14="http://schemas.microsoft.com/office/powerpoint/2010/main" val="2249683936"/>
+        <p14:creationId xmlns:p14="http://schemas.microsoft.com/office/powerpoint/2010/main" xmlns="" val="2249683936"/>
       </p:ext>
     </p:extLst>
   </p:cSld>
@@ -1898,7 +1874,7 @@
             <a:fld id="{B61BEF0D-F0BB-DE4B-95CE-6DB70DBA9567}" type="datetimeFigureOut">
               <a:rPr lang="en-US" smtClean="0"/>
               <a:pPr/>
-              <a:t>1/4/2018</a:t>
+              <a:t>1/1/2018</a:t>
             </a:fld>
             <a:endParaRPr lang="en-US" dirty="0"/>
           </a:p>
@@ -1950,7 +1926,7 @@
     </p:spTree>
     <p:extLst>
       <p:ext uri="{BB962C8B-B14F-4D97-AF65-F5344CB8AC3E}">
-        <p14:creationId xmlns:p14="http://schemas.microsoft.com/office/powerpoint/2010/main" val="3178889212"/>
+        <p14:creationId xmlns:p14="http://schemas.microsoft.com/office/powerpoint/2010/main" xmlns="" val="3178889212"/>
       </p:ext>
     </p:extLst>
   </p:cSld>
@@ -2177,7 +2153,7 @@
             <a:fld id="{B61BEF0D-F0BB-DE4B-95CE-6DB70DBA9567}" type="datetimeFigureOut">
               <a:rPr lang="en-US" smtClean="0"/>
               <a:pPr/>
-              <a:t>1/4/2018</a:t>
+              <a:t>1/1/2018</a:t>
             </a:fld>
             <a:endParaRPr lang="en-US" dirty="0"/>
           </a:p>
@@ -2229,7 +2205,7 @@
     </p:spTree>
     <p:extLst>
       <p:ext uri="{BB962C8B-B14F-4D97-AF65-F5344CB8AC3E}">
-        <p14:creationId xmlns:p14="http://schemas.microsoft.com/office/powerpoint/2010/main" val="865299423"/>
+        <p14:creationId xmlns:p14="http://schemas.microsoft.com/office/powerpoint/2010/main" xmlns="" val="865299423"/>
       </p:ext>
     </p:extLst>
   </p:cSld>
@@ -2432,7 +2408,7 @@
             <a:fld id="{B61BEF0D-F0BB-DE4B-95CE-6DB70DBA9567}" type="datetimeFigureOut">
               <a:rPr lang="en-US" smtClean="0"/>
               <a:pPr/>
-              <a:t>1/4/2018</a:t>
+              <a:t>1/1/2018</a:t>
             </a:fld>
             <a:endParaRPr lang="en-US" dirty="0"/>
           </a:p>
@@ -2484,7 +2460,7 @@
     </p:spTree>
     <p:extLst>
       <p:ext uri="{BB962C8B-B14F-4D97-AF65-F5344CB8AC3E}">
-        <p14:creationId xmlns:p14="http://schemas.microsoft.com/office/powerpoint/2010/main" val="3669881156"/>
+        <p14:creationId xmlns:p14="http://schemas.microsoft.com/office/powerpoint/2010/main" xmlns="" val="3669881156"/>
       </p:ext>
     </p:extLst>
   </p:cSld>
@@ -2647,7 +2623,7 @@
             <a:fld id="{B61BEF0D-F0BB-DE4B-95CE-6DB70DBA9567}" type="datetimeFigureOut">
               <a:rPr lang="en-US" smtClean="0"/>
               <a:pPr/>
-              <a:t>1/4/2018</a:t>
+              <a:t>1/1/2018</a:t>
             </a:fld>
             <a:endParaRPr lang="en-US" dirty="0"/>
           </a:p>
@@ -2735,7 +2711,7 @@
     </p:spTree>
     <p:extLst>
       <p:ext uri="{BB962C8B-B14F-4D97-AF65-F5344CB8AC3E}">
-        <p14:creationId xmlns:p14="http://schemas.microsoft.com/office/powerpoint/2010/main" val="3728981704"/>
+        <p14:creationId xmlns:p14="http://schemas.microsoft.com/office/powerpoint/2010/main" xmlns="" val="3728981704"/>
       </p:ext>
     </p:extLst>
   </p:cSld>
@@ -3065,7 +3041,7 @@
         </p:nvSpPr>
         <p:spPr>
           <a:xfrm>
-            <a:off x="1983346" y="695458"/>
+            <a:off x="3335628" y="2021983"/>
             <a:ext cx="8168983" cy="1854558"/>
           </a:xfrm>
         </p:spPr>
@@ -3095,46 +3071,34 @@
         </p:nvSpPr>
         <p:spPr>
           <a:xfrm>
-            <a:off x="2884868" y="4043966"/>
+            <a:off x="3335629" y="4520485"/>
             <a:ext cx="8168984" cy="1931830"/>
           </a:xfrm>
         </p:spPr>
         <p:txBody>
           <a:bodyPr>
-            <a:normAutofit fontScale="92500"/>
+            <a:normAutofit/>
           </a:bodyPr>
           <a:lstStyle/>
           <a:p>
-            <a:pPr algn="l"/>
             <a:r>
               <a:rPr lang="en-IN" dirty="0" smtClean="0"/>
               <a:t>P.HEMALATHA [1418114]</a:t>
             </a:r>
           </a:p>
           <a:p>
-            <a:pPr algn="l"/>
             <a:r>
               <a:rPr lang="en-IN" dirty="0" smtClean="0"/>
-              <a:t>S.MANJU [1418125]                                 Guided By:</a:t>
-            </a:r>
-          </a:p>
-          <a:p>
-            <a:pPr algn="l"/>
+              <a:t>S.MANJU [1418125]</a:t>
+            </a:r>
+          </a:p>
+          <a:p>
             <a:r>
               <a:rPr lang="en-IN" dirty="0" smtClean="0"/>
-              <a:t>M.NANDHINI [1418129]                      </a:t>
-            </a:r>
-            <a:r>
-              <a:rPr lang="en-IN" dirty="0" err="1" smtClean="0"/>
-              <a:t>Mr.S.GLADSON</a:t>
-            </a:r>
-            <a:r>
-              <a:rPr lang="en-IN" dirty="0" smtClean="0"/>
-              <a:t> OLIVER,AP/IT                 </a:t>
-            </a:r>
-          </a:p>
-          <a:p>
-            <a:pPr algn="l"/>
+              <a:t>M.NANDHINI [1418129]</a:t>
+            </a:r>
+          </a:p>
+          <a:p>
             <a:r>
               <a:rPr lang="en-IN" dirty="0" smtClean="0"/>
               <a:t>V.VINOTHA [1418153]</a:t>
@@ -3146,7 +3110,7 @@
     </p:spTree>
     <p:extLst>
       <p:ext uri="{BB962C8B-B14F-4D97-AF65-F5344CB8AC3E}">
-        <p14:creationId xmlns:p14="http://schemas.microsoft.com/office/powerpoint/2010/main" val="2406611590"/>
+        <p14:creationId xmlns:p14="http://schemas.microsoft.com/office/powerpoint/2010/main" xmlns="" val="2406611590"/>
       </p:ext>
     </p:extLst>
   </p:cSld>
@@ -3196,10 +3160,10 @@
           <a:lstStyle/>
           <a:p>
             <a:r>
-              <a:rPr lang="en-US" b="1" dirty="0" smtClean="0"/>
+              <a:rPr lang="en-US" dirty="0" smtClean="0"/>
               <a:t>Mutual authentication of two IOT devices</a:t>
             </a:r>
-            <a:endParaRPr lang="en-US" b="1" dirty="0"/>
+            <a:endParaRPr lang="en-US" dirty="0"/>
           </a:p>
         </p:txBody>
       </p:sp>
@@ -3224,83 +3188,39 @@
               <a:buNone/>
             </a:pPr>
             <a:r>
-              <a:rPr lang="en-US" b="1" dirty="0" smtClean="0"/>
-              <a:t>MODULE 1 (existing CRP retrieval)</a:t>
-            </a:r>
+              <a:rPr lang="en-US" dirty="0" smtClean="0"/>
+              <a:t>MODULE 1 : </a:t>
+            </a:r>
+          </a:p>
+          <a:p>
+            <a:pPr>
+              <a:buNone/>
+            </a:pPr>
+            <a:r>
+              <a:rPr lang="en-US" dirty="0" smtClean="0"/>
+              <a:t>  Input : IDA,IDB,N1,N2</a:t>
+            </a:r>
+          </a:p>
+          <a:p>
+            <a:pPr>
+              <a:buNone/>
+            </a:pPr>
+            <a:r>
+              <a:rPr lang="en-US" dirty="0" smtClean="0"/>
+              <a:t>Process : find IDA,IDB in memory</a:t>
+            </a:r>
+          </a:p>
+          <a:p>
+            <a:pPr>
+              <a:buNone/>
+            </a:pPr>
             <a:r>
               <a:rPr lang="en-US" dirty="0" smtClean="0"/>
               <a:t> </a:t>
             </a:r>
-          </a:p>
-          <a:p>
-            <a:pPr>
-              <a:buNone/>
-            </a:pPr>
-            <a:r>
-              <a:rPr lang="en-US" dirty="0" smtClean="0"/>
-              <a:t>  Input : ID</a:t>
-            </a:r>
-            <a:r>
-              <a:rPr lang="en-US" baseline="-25000" dirty="0" smtClean="0"/>
-              <a:t>A</a:t>
-            </a:r>
-            <a:r>
-              <a:rPr lang="en-US" dirty="0" smtClean="0"/>
-              <a:t>,ID</a:t>
-            </a:r>
-            <a:r>
-              <a:rPr lang="en-US" baseline="-25000" dirty="0" smtClean="0"/>
-              <a:t>B</a:t>
-            </a:r>
-            <a:r>
-              <a:rPr lang="en-US" dirty="0" smtClean="0"/>
-              <a:t>,N</a:t>
-            </a:r>
-            <a:r>
-              <a:rPr lang="en-US" baseline="-25000" dirty="0" smtClean="0"/>
-              <a:t>1</a:t>
-            </a:r>
-            <a:r>
-              <a:rPr lang="en-US" dirty="0" smtClean="0"/>
-              <a:t>,N</a:t>
-            </a:r>
-            <a:r>
-              <a:rPr lang="en-US" baseline="-25000" dirty="0" smtClean="0"/>
-              <a:t>2</a:t>
-            </a:r>
-          </a:p>
-          <a:p>
-            <a:pPr>
-              <a:buNone/>
-            </a:pPr>
-            <a:r>
-              <a:rPr lang="en-US" dirty="0" smtClean="0"/>
-              <a:t>Process : Find ID</a:t>
-            </a:r>
-            <a:r>
-              <a:rPr lang="en-US" baseline="-25000" dirty="0" smtClean="0"/>
-              <a:t>A</a:t>
-            </a:r>
-            <a:r>
-              <a:rPr lang="en-US" dirty="0" smtClean="0"/>
-              <a:t>,ID</a:t>
-            </a:r>
-            <a:r>
-              <a:rPr lang="en-US" baseline="-25000" dirty="0" smtClean="0"/>
-              <a:t>B</a:t>
-            </a:r>
-            <a:r>
-              <a:rPr lang="en-US" dirty="0" smtClean="0"/>
-              <a:t> in memory</a:t>
-            </a:r>
-          </a:p>
-          <a:p>
-            <a:pPr>
-              <a:buNone/>
-            </a:pPr>
-            <a:r>
-              <a:rPr lang="en-US" dirty="0" smtClean="0"/>
-              <a:t>                 Read </a:t>
+            <a:r>
+              <a:rPr lang="en-US" dirty="0" smtClean="0"/>
+              <a:t>                read </a:t>
             </a:r>
             <a:r>
               <a:rPr lang="en-US" dirty="0" err="1" smtClean="0"/>
@@ -3312,44 +3232,69 @@
             </a:r>
             <a:r>
               <a:rPr lang="en-US" dirty="0" err="1" smtClean="0"/>
-              <a:t>C</a:t>
-            </a:r>
-            <a:r>
-              <a:rPr lang="en-US" baseline="30000" dirty="0" err="1" smtClean="0"/>
-              <a:t>i</a:t>
+              <a:t>Ci,Ri</a:t>
+            </a:r>
+            <a:r>
+              <a:rPr lang="en-US" dirty="0" smtClean="0"/>
+              <a:t>),(</a:t>
             </a:r>
             <a:r>
               <a:rPr lang="en-US" dirty="0" err="1" smtClean="0"/>
-              <a:t>,R</a:t>
-            </a:r>
-            <a:r>
-              <a:rPr lang="en-US" baseline="30000" dirty="0" err="1" smtClean="0"/>
-              <a:t>i</a:t>
-            </a:r>
-            <a:r>
-              <a:rPr lang="en-US" dirty="0" smtClean="0"/>
-              <a:t>),(</a:t>
+              <a:t>Cj,Rj</a:t>
+            </a:r>
+            <a:r>
+              <a:rPr lang="en-US" dirty="0" smtClean="0"/>
+              <a:t>)</a:t>
+            </a:r>
+          </a:p>
+          <a:p>
+            <a:pPr>
+              <a:buNone/>
+            </a:pPr>
+            <a:r>
+              <a:rPr lang="en-US" dirty="0" smtClean="0"/>
+              <a:t> </a:t>
+            </a:r>
+            <a:r>
+              <a:rPr lang="en-US" dirty="0" smtClean="0"/>
+              <a:t>                generate RS1,RS2</a:t>
+            </a:r>
+          </a:p>
+          <a:p>
+            <a:pPr>
+              <a:buNone/>
+            </a:pPr>
+            <a:r>
+              <a:rPr lang="en-US" dirty="0" smtClean="0"/>
+              <a:t> </a:t>
+            </a:r>
+            <a:r>
+              <a:rPr lang="en-US" dirty="0" smtClean="0"/>
+              <a:t>                MB={IDA,IDB,N2,RS1,RS2}</a:t>
             </a:r>
             <a:r>
               <a:rPr lang="en-US" dirty="0" err="1" smtClean="0"/>
-              <a:t>C</a:t>
-            </a:r>
-            <a:r>
-              <a:rPr lang="en-US" baseline="30000" dirty="0" err="1" smtClean="0"/>
-              <a:t>j</a:t>
+              <a:t>Ri</a:t>
+            </a:r>
+            <a:endParaRPr lang="en-US" dirty="0" smtClean="0"/>
+          </a:p>
+          <a:p>
+            <a:pPr>
+              <a:buNone/>
+            </a:pPr>
+            <a:r>
+              <a:rPr lang="en-US" dirty="0" smtClean="0"/>
+              <a:t> </a:t>
+            </a:r>
+            <a:r>
+              <a:rPr lang="en-US" dirty="0" smtClean="0"/>
+              <a:t>                MA={IDA,IDB,N1,RS1,RS2,MB}</a:t>
             </a:r>
             <a:r>
               <a:rPr lang="en-US" dirty="0" err="1" smtClean="0"/>
-              <a:t>,R</a:t>
-            </a:r>
-            <a:r>
-              <a:rPr lang="en-US" baseline="30000" dirty="0" err="1" smtClean="0"/>
-              <a:t>j</a:t>
-            </a:r>
-            <a:r>
-              <a:rPr lang="en-US" dirty="0" smtClean="0"/>
-              <a:t>)</a:t>
-            </a:r>
+              <a:t>Ri</a:t>
+            </a:r>
+            <a:endParaRPr lang="en-US" dirty="0" smtClean="0"/>
           </a:p>
           <a:p>
             <a:pPr>
@@ -3357,272 +3302,31 @@
             </a:pPr>
             <a:r>
               <a:rPr lang="en-US" dirty="0" smtClean="0"/>
-              <a:t>                 Generate R</a:t>
-            </a:r>
-            <a:r>
-              <a:rPr lang="en-US" baseline="-25000" dirty="0" smtClean="0"/>
-              <a:t>S1</a:t>
-            </a:r>
-            <a:r>
-              <a:rPr lang="en-US" dirty="0" smtClean="0"/>
-              <a:t>,R</a:t>
-            </a:r>
-            <a:r>
-              <a:rPr lang="en-US" baseline="-25000" dirty="0" smtClean="0"/>
-              <a:t>S2</a:t>
-            </a:r>
-          </a:p>
-          <a:p>
-            <a:pPr>
-              <a:buNone/>
-            </a:pPr>
-            <a:r>
-              <a:rPr lang="en-US" dirty="0" smtClean="0"/>
-              <a:t>                 M</a:t>
-            </a:r>
-            <a:r>
-              <a:rPr lang="en-US" baseline="-25000" dirty="0" smtClean="0"/>
-              <a:t>B</a:t>
-            </a:r>
-            <a:r>
-              <a:rPr lang="en-US" dirty="0" smtClean="0"/>
-              <a:t>={ID</a:t>
-            </a:r>
-            <a:r>
-              <a:rPr lang="en-US" baseline="-25000" dirty="0" smtClean="0"/>
-              <a:t>A</a:t>
-            </a:r>
-            <a:r>
-              <a:rPr lang="en-US" dirty="0" smtClean="0"/>
-              <a:t>,ID</a:t>
-            </a:r>
-            <a:r>
-              <a:rPr lang="en-US" baseline="-25000" dirty="0" smtClean="0"/>
-              <a:t>B</a:t>
-            </a:r>
-            <a:r>
-              <a:rPr lang="en-US" dirty="0" smtClean="0"/>
-              <a:t>,N</a:t>
-            </a:r>
-            <a:r>
-              <a:rPr lang="en-US" baseline="-25000" dirty="0" smtClean="0"/>
-              <a:t>2</a:t>
-            </a:r>
-            <a:r>
-              <a:rPr lang="en-US" dirty="0" smtClean="0"/>
-              <a:t>,R</a:t>
-            </a:r>
-            <a:r>
-              <a:rPr lang="en-US" baseline="-25000" dirty="0" smtClean="0"/>
-              <a:t>s1</a:t>
-            </a:r>
-            <a:r>
-              <a:rPr lang="en-US" dirty="0" smtClean="0"/>
-              <a:t>,R</a:t>
-            </a:r>
-            <a:r>
-              <a:rPr lang="en-US" baseline="-25000" dirty="0" smtClean="0"/>
-              <a:t>s2</a:t>
-            </a:r>
-            <a:r>
-              <a:rPr lang="en-US" dirty="0" smtClean="0"/>
-              <a:t>}</a:t>
-            </a:r>
-            <a:r>
-              <a:rPr lang="en-US" baseline="-25000" dirty="0" err="1" smtClean="0"/>
-              <a:t>R</a:t>
-            </a:r>
-            <a:r>
-              <a:rPr lang="en-US" baseline="30000" dirty="0" err="1"/>
-              <a:t>i</a:t>
-            </a:r>
-            <a:endParaRPr lang="en-US" baseline="30000" dirty="0" smtClean="0"/>
-          </a:p>
-          <a:p>
-            <a:pPr>
-              <a:buNone/>
-            </a:pPr>
-            <a:r>
-              <a:rPr lang="en-US" dirty="0" smtClean="0"/>
-              <a:t>                 M</a:t>
-            </a:r>
-            <a:r>
-              <a:rPr lang="en-US" baseline="-25000" dirty="0" smtClean="0"/>
-              <a:t>A</a:t>
-            </a:r>
-            <a:r>
-              <a:rPr lang="en-US" dirty="0" smtClean="0"/>
-              <a:t>={ID</a:t>
-            </a:r>
-            <a:r>
-              <a:rPr lang="en-US" baseline="-25000" dirty="0" smtClean="0"/>
-              <a:t>A</a:t>
-            </a:r>
-            <a:r>
-              <a:rPr lang="en-US" dirty="0" smtClean="0"/>
-              <a:t>,ID</a:t>
-            </a:r>
-            <a:r>
-              <a:rPr lang="en-US" baseline="-25000" dirty="0" smtClean="0"/>
-              <a:t>B</a:t>
-            </a:r>
-            <a:r>
-              <a:rPr lang="en-US" dirty="0" smtClean="0"/>
-              <a:t>,N</a:t>
-            </a:r>
-            <a:r>
-              <a:rPr lang="en-US" baseline="-25000" dirty="0" smtClean="0"/>
-              <a:t>1</a:t>
-            </a:r>
-            <a:r>
-              <a:rPr lang="en-US" dirty="0" smtClean="0"/>
-              <a:t>,R</a:t>
-            </a:r>
-            <a:r>
-              <a:rPr lang="en-US" baseline="-25000" dirty="0" smtClean="0"/>
-              <a:t>S1</a:t>
-            </a:r>
-            <a:r>
-              <a:rPr lang="en-US" dirty="0" smtClean="0"/>
-              <a:t>,R</a:t>
-            </a:r>
-            <a:r>
-              <a:rPr lang="en-US" baseline="-25000" dirty="0" smtClean="0"/>
-              <a:t>S2</a:t>
-            </a:r>
-            <a:r>
-              <a:rPr lang="en-US" dirty="0" smtClean="0"/>
-              <a:t>,M</a:t>
-            </a:r>
-            <a:r>
-              <a:rPr lang="en-US" baseline="-25000" dirty="0" smtClean="0"/>
-              <a:t>B</a:t>
-            </a:r>
-            <a:r>
-              <a:rPr lang="en-US" dirty="0" smtClean="0"/>
-              <a:t>}</a:t>
-            </a:r>
-            <a:r>
-              <a:rPr lang="en-US" baseline="-25000" dirty="0" err="1" smtClean="0"/>
-              <a:t>R</a:t>
-            </a:r>
-            <a:r>
-              <a:rPr lang="en-US" baseline="30000" dirty="0" err="1" smtClean="0"/>
-              <a:t>i</a:t>
-            </a:r>
-            <a:endParaRPr lang="en-US" dirty="0" smtClean="0"/>
-          </a:p>
-          <a:p>
-            <a:pPr>
-              <a:buNone/>
-            </a:pPr>
-            <a:r>
-              <a:rPr lang="en-US" dirty="0" smtClean="0"/>
               <a:t>Output  : </a:t>
             </a:r>
             <a:r>
               <a:rPr lang="en-US" dirty="0" err="1" smtClean="0"/>
-              <a:t>C</a:t>
-            </a:r>
-            <a:r>
-              <a:rPr lang="en-US" baseline="30000" dirty="0" err="1" smtClean="0"/>
-              <a:t>i</a:t>
+              <a:t>Ci,Cj,MA,MAC</a:t>
+            </a:r>
+            <a:r>
+              <a:rPr lang="en-US" dirty="0" smtClean="0"/>
+              <a:t>(IDA,MA||</a:t>
             </a:r>
             <a:r>
               <a:rPr lang="en-US" dirty="0" err="1" smtClean="0"/>
-              <a:t>,C</a:t>
-            </a:r>
-            <a:r>
-              <a:rPr lang="en-US" baseline="30000" dirty="0" err="1" smtClean="0"/>
-              <a:t>j</a:t>
+              <a:t>Ri</a:t>
+            </a:r>
+            <a:r>
+              <a:rPr lang="en-US" dirty="0" smtClean="0"/>
+              <a:t>||RS1),MAC(IDB,MB||</a:t>
             </a:r>
             <a:r>
               <a:rPr lang="en-US" dirty="0" err="1" smtClean="0"/>
-              <a:t>,M</a:t>
-            </a:r>
-            <a:r>
-              <a:rPr lang="en-US" baseline="-25000" dirty="0" err="1" smtClean="0"/>
-              <a:t>A</a:t>
-            </a:r>
-            <a:r>
-              <a:rPr lang="en-US" dirty="0" err="1" smtClean="0"/>
-              <a:t>,MAC</a:t>
-            </a:r>
-            <a:r>
-              <a:rPr lang="en-US" dirty="0" smtClean="0"/>
-              <a:t>(ID</a:t>
-            </a:r>
-            <a:r>
-              <a:rPr lang="en-US" baseline="-25000" dirty="0" smtClean="0"/>
-              <a:t>A</a:t>
-            </a:r>
-            <a:r>
-              <a:rPr lang="en-US" dirty="0" smtClean="0"/>
-              <a:t>,M</a:t>
-            </a:r>
-            <a:r>
-              <a:rPr lang="en-US" baseline="-25000" dirty="0" smtClean="0"/>
-              <a:t>A</a:t>
-            </a:r>
-            <a:r>
-              <a:rPr lang="en-US" dirty="0" smtClean="0"/>
-              <a:t>||</a:t>
-            </a:r>
-            <a:r>
-              <a:rPr lang="en-US" dirty="0" err="1" smtClean="0"/>
-              <a:t>R</a:t>
-            </a:r>
-            <a:r>
-              <a:rPr lang="en-US" baseline="30000" dirty="0" err="1" smtClean="0"/>
-              <a:t>i</a:t>
-            </a:r>
-            <a:r>
-              <a:rPr lang="en-US" dirty="0" smtClean="0"/>
-              <a:t>||R</a:t>
-            </a:r>
-            <a:r>
-              <a:rPr lang="en-US" baseline="-25000" dirty="0" smtClean="0"/>
-              <a:t>S1</a:t>
-            </a:r>
-            <a:r>
-              <a:rPr lang="en-US" dirty="0" smtClean="0"/>
-              <a:t>),MAC(ID</a:t>
-            </a:r>
-            <a:r>
-              <a:rPr lang="en-US" baseline="-25000" dirty="0" smtClean="0"/>
-              <a:t>B</a:t>
-            </a:r>
-            <a:r>
-              <a:rPr lang="en-US" dirty="0" smtClean="0"/>
-              <a:t>,M</a:t>
-            </a:r>
-            <a:r>
-              <a:rPr lang="en-US" baseline="-25000" dirty="0" smtClean="0"/>
-              <a:t>B</a:t>
-            </a:r>
-            <a:r>
-              <a:rPr lang="en-US" dirty="0" smtClean="0"/>
-              <a:t>||</a:t>
-            </a:r>
-            <a:r>
-              <a:rPr lang="en-US" dirty="0" err="1" smtClean="0"/>
-              <a:t>R</a:t>
-            </a:r>
-            <a:r>
-              <a:rPr lang="en-US" baseline="30000" dirty="0" err="1" smtClean="0"/>
-              <a:t>j</a:t>
-            </a:r>
-            <a:r>
-              <a:rPr lang="en-US" dirty="0" smtClean="0"/>
-              <a:t>||R</a:t>
-            </a:r>
-            <a:r>
-              <a:rPr lang="en-US" baseline="-25000" dirty="0" smtClean="0"/>
-              <a:t>S2</a:t>
-            </a:r>
-            <a:r>
-              <a:rPr lang="en-US" dirty="0" smtClean="0"/>
-              <a:t>)</a:t>
+              <a:t>Rj</a:t>
+            </a:r>
+            <a:r>
+              <a:rPr lang="en-US" dirty="0" smtClean="0"/>
+              <a:t>||RS2)</a:t>
             </a:r>
             <a:endParaRPr lang="en-US" dirty="0"/>
           </a:p>
@@ -3633,16 +3337,6 @@
   <p:clrMapOvr>
     <a:masterClrMapping/>
   </p:clrMapOvr>
-  <p:transition spd="slow">
-    <p:wipe/>
-  </p:transition>
-  <p:timing>
-    <p:tnLst>
-      <p:par>
-        <p:cTn id="1" dur="indefinite" restart="never" nodeType="tmRoot"/>
-      </p:par>
-    </p:tnLst>
-  </p:timing>
 </p:sld>
 </file>
 
@@ -3673,21 +3367,16 @@
             <p:ph type="title"/>
           </p:nvPr>
         </p:nvSpPr>
-        <p:spPr>
-          <a:xfrm>
-            <a:off x="1146220" y="365126"/>
-            <a:ext cx="10207580" cy="742458"/>
-          </a:xfrm>
-        </p:spPr>
+        <p:spPr/>
         <p:txBody>
           <a:bodyPr/>
           <a:lstStyle/>
           <a:p>
             <a:r>
-              <a:rPr lang="en-US" b="1" dirty="0" smtClean="0"/>
-              <a:t>Module 2(new CRP creation on IDA)</a:t>
-            </a:r>
-            <a:endParaRPr lang="en-US" b="1" dirty="0"/>
+              <a:rPr lang="en-US" dirty="0" smtClean="0"/>
+              <a:t>Module 2</a:t>
+            </a:r>
+            <a:endParaRPr lang="en-US" dirty="0"/>
           </a:p>
         </p:txBody>
       </p:sp>
@@ -3701,15 +3390,10 @@
             <p:ph idx="1"/>
           </p:nvPr>
         </p:nvSpPr>
-        <p:spPr>
-          <a:xfrm>
-            <a:off x="798490" y="1287887"/>
-            <a:ext cx="10555310" cy="5074276"/>
-          </a:xfrm>
-        </p:spPr>
+        <p:spPr/>
         <p:txBody>
           <a:bodyPr>
-            <a:normAutofit fontScale="92500" lnSpcReduction="20000"/>
+            <a:normAutofit fontScale="77500" lnSpcReduction="20000"/>
           </a:bodyPr>
           <a:lstStyle/>
           <a:p>
@@ -3727,108 +3411,28 @@
               <a:t>Input : </a:t>
             </a:r>
             <a:r>
-              <a:rPr lang="en-US" dirty="0" err="1"/>
-              <a:t>C</a:t>
-            </a:r>
-            <a:r>
-              <a:rPr lang="en-US" baseline="30000" dirty="0" err="1"/>
-              <a:t>i</a:t>
-            </a:r>
-            <a:r>
-              <a:rPr lang="en-US" dirty="0" err="1"/>
-              <a:t>,C</a:t>
-            </a:r>
-            <a:r>
-              <a:rPr lang="en-US" baseline="30000" dirty="0" err="1"/>
-              <a:t>j</a:t>
-            </a:r>
-            <a:r>
-              <a:rPr lang="en-US" dirty="0" err="1"/>
-              <a:t>,M</a:t>
-            </a:r>
-            <a:r>
-              <a:rPr lang="en-US" baseline="-25000" dirty="0" err="1"/>
-              <a:t>A</a:t>
-            </a:r>
-            <a:r>
-              <a:rPr lang="en-US" dirty="0" err="1"/>
-              <a:t>,MAC</a:t>
-            </a:r>
-            <a:r>
-              <a:rPr lang="en-US" dirty="0"/>
-              <a:t>(ID</a:t>
-            </a:r>
-            <a:r>
-              <a:rPr lang="en-US" baseline="-25000" dirty="0"/>
-              <a:t>A</a:t>
-            </a:r>
-            <a:r>
-              <a:rPr lang="en-US" dirty="0"/>
-              <a:t>,M</a:t>
-            </a:r>
-            <a:r>
-              <a:rPr lang="en-US" baseline="-25000" dirty="0"/>
-              <a:t>A</a:t>
-            </a:r>
-            <a:r>
-              <a:rPr lang="en-US" dirty="0"/>
-              <a:t>||</a:t>
-            </a:r>
-            <a:r>
-              <a:rPr lang="en-US" dirty="0" err="1"/>
-              <a:t>R</a:t>
-            </a:r>
-            <a:r>
-              <a:rPr lang="en-US" baseline="30000" dirty="0" err="1"/>
-              <a:t>i</a:t>
-            </a:r>
-            <a:r>
-              <a:rPr lang="en-US" dirty="0"/>
-              <a:t>||R</a:t>
-            </a:r>
-            <a:r>
-              <a:rPr lang="en-US" baseline="-25000" dirty="0"/>
-              <a:t>S1</a:t>
-            </a:r>
-            <a:r>
-              <a:rPr lang="en-US" dirty="0"/>
-              <a:t>),MAC(ID</a:t>
-            </a:r>
-            <a:r>
-              <a:rPr lang="en-US" baseline="-25000" dirty="0"/>
-              <a:t>B</a:t>
-            </a:r>
-            <a:r>
-              <a:rPr lang="en-US" dirty="0"/>
-              <a:t>,M</a:t>
-            </a:r>
-            <a:r>
-              <a:rPr lang="en-US" baseline="-25000" dirty="0"/>
-              <a:t>B</a:t>
-            </a:r>
-            <a:r>
-              <a:rPr lang="en-US" dirty="0"/>
-              <a:t>||</a:t>
-            </a:r>
-            <a:r>
-              <a:rPr lang="en-US" dirty="0" err="1"/>
-              <a:t>R</a:t>
-            </a:r>
-            <a:r>
-              <a:rPr lang="en-US" baseline="30000" dirty="0" err="1"/>
-              <a:t>j</a:t>
-            </a:r>
-            <a:r>
-              <a:rPr lang="en-US" dirty="0"/>
-              <a:t>||R</a:t>
-            </a:r>
-            <a:r>
-              <a:rPr lang="en-US" baseline="-25000" dirty="0"/>
-              <a:t>S2</a:t>
-            </a:r>
-            <a:r>
-              <a:rPr lang="en-US" dirty="0"/>
-              <a:t>)</a:t>
+              <a:rPr lang="en-US" dirty="0" err="1" smtClean="0"/>
+              <a:t>Ci,Cj,MA,MAC</a:t>
+            </a:r>
+            <a:r>
+              <a:rPr lang="en-US" dirty="0" smtClean="0"/>
+              <a:t>(IDA,MA||</a:t>
+            </a:r>
+            <a:r>
+              <a:rPr lang="en-US" dirty="0" err="1" smtClean="0"/>
+              <a:t>Ri</a:t>
+            </a:r>
+            <a:r>
+              <a:rPr lang="en-US" dirty="0" smtClean="0"/>
+              <a:t>||RS1),MAC(IDB,MB||</a:t>
+            </a:r>
+            <a:r>
+              <a:rPr lang="en-US" dirty="0" err="1" smtClean="0"/>
+              <a:t>Rj</a:t>
+            </a:r>
+            <a:r>
+              <a:rPr lang="en-US" dirty="0" smtClean="0"/>
+              <a:t>||RS2)</a:t>
             </a:r>
           </a:p>
           <a:p>
@@ -3841,23 +3445,11 @@
             </a:r>
             <a:r>
               <a:rPr lang="en-US" dirty="0" err="1" smtClean="0"/>
-              <a:t>R</a:t>
-            </a:r>
-            <a:r>
-              <a:rPr lang="en-US" baseline="30000" dirty="0" err="1" smtClean="0"/>
-              <a:t>i</a:t>
-            </a:r>
-            <a:r>
-              <a:rPr lang="en-US" dirty="0" smtClean="0"/>
-              <a:t>=P</a:t>
-            </a:r>
-            <a:r>
-              <a:rPr lang="en-US" baseline="-25000" dirty="0" smtClean="0"/>
-              <a:t>A</a:t>
-            </a:r>
-            <a:r>
-              <a:rPr lang="en-US" dirty="0" smtClean="0"/>
-              <a:t>(</a:t>
+              <a:t>Ri</a:t>
+            </a:r>
+            <a:r>
+              <a:rPr lang="en-US" dirty="0" smtClean="0"/>
+              <a:t>=PA(</a:t>
             </a:r>
             <a:r>
               <a:rPr lang="en-US" dirty="0" err="1" smtClean="0"/>
@@ -3874,41 +3466,17 @@
             </a:pPr>
             <a:r>
               <a:rPr lang="en-US" dirty="0" smtClean="0"/>
-              <a:t>                 obtain R</a:t>
-            </a:r>
-            <a:r>
-              <a:rPr lang="en-US" baseline="-25000" dirty="0" smtClean="0"/>
-              <a:t>S1</a:t>
-            </a:r>
-            <a:r>
-              <a:rPr lang="en-US" dirty="0" smtClean="0"/>
-              <a:t>,R</a:t>
-            </a:r>
-            <a:r>
-              <a:rPr lang="en-US" baseline="-25000" dirty="0" smtClean="0"/>
-              <a:t>S2</a:t>
-            </a:r>
-            <a:r>
-              <a:rPr lang="en-US" dirty="0" smtClean="0"/>
-              <a:t> and M</a:t>
-            </a:r>
-            <a:r>
-              <a:rPr lang="en-US" baseline="-25000" dirty="0" smtClean="0"/>
-              <a:t>B</a:t>
-            </a:r>
-            <a:r>
-              <a:rPr lang="en-US" dirty="0" smtClean="0"/>
-              <a:t> using </a:t>
+              <a:t> </a:t>
+            </a:r>
+            <a:r>
+              <a:rPr lang="en-US" dirty="0" smtClean="0"/>
+              <a:t>               obtain RS1,RS2 and MB using </a:t>
             </a:r>
             <a:r>
               <a:rPr lang="en-US" dirty="0" err="1" smtClean="0"/>
-              <a:t>R</a:t>
-            </a:r>
-            <a:r>
-              <a:rPr lang="en-US" baseline="30000" dirty="0" err="1" smtClean="0"/>
-              <a:t>i</a:t>
-            </a:r>
-            <a:endParaRPr lang="en-US" baseline="30000" dirty="0" smtClean="0"/>
+              <a:t>Ri</a:t>
+            </a:r>
+            <a:endParaRPr lang="en-US" dirty="0" smtClean="0"/>
           </a:p>
           <a:p>
             <a:pPr>
@@ -3916,7 +3484,11 @@
             </a:pPr>
             <a:r>
               <a:rPr lang="en-US" dirty="0" smtClean="0"/>
-              <a:t>                 verify MAC</a:t>
+              <a:t> </a:t>
+            </a:r>
+            <a:r>
+              <a:rPr lang="en-US" dirty="0" smtClean="0"/>
+              <a:t>                verify MAC</a:t>
             </a:r>
           </a:p>
           <a:p>
@@ -3925,21 +3497,12 @@
             </a:pPr>
             <a:r>
               <a:rPr lang="en-US" dirty="0" smtClean="0"/>
-              <a:t>                 Generate :N</a:t>
-            </a:r>
-            <a:r>
-              <a:rPr lang="en-US" baseline="-25000" dirty="0" smtClean="0"/>
-              <a:t>A</a:t>
-            </a:r>
-            <a:r>
-              <a:rPr lang="en-US" dirty="0" smtClean="0"/>
-              <a:t> and N</a:t>
-            </a:r>
-            <a:r>
-              <a:rPr lang="en-US" baseline="-25000" dirty="0"/>
-              <a:t>3</a:t>
-            </a:r>
-            <a:endParaRPr lang="en-US" baseline="-25000" dirty="0" smtClean="0"/>
+              <a:t> </a:t>
+            </a:r>
+            <a:r>
+              <a:rPr lang="en-US" dirty="0" smtClean="0"/>
+              <a:t>                generate :NA and NB</a:t>
+            </a:r>
           </a:p>
           <a:p>
             <a:pPr>
@@ -3947,31 +3510,11 @@
             </a:pPr>
             <a:r>
               <a:rPr lang="en-US" dirty="0" smtClean="0"/>
-              <a:t>                 C</a:t>
-            </a:r>
-            <a:r>
-              <a:rPr lang="en-US" baseline="30000" dirty="0" smtClean="0"/>
-              <a:t>i+1</a:t>
-            </a:r>
-            <a:r>
-              <a:rPr lang="en-US" dirty="0" smtClean="0"/>
-              <a:t>=H(N</a:t>
-            </a:r>
-            <a:r>
-              <a:rPr lang="en-US" baseline="-25000" dirty="0" smtClean="0"/>
-              <a:t>A</a:t>
-            </a:r>
-            <a:r>
-              <a:rPr lang="en-US" dirty="0" smtClean="0"/>
-              <a:t>||R</a:t>
-            </a:r>
-            <a:r>
-              <a:rPr lang="en-US" baseline="-25000" dirty="0" smtClean="0"/>
-              <a:t>S1</a:t>
-            </a:r>
-            <a:r>
-              <a:rPr lang="en-US" dirty="0" smtClean="0"/>
-              <a:t>) </a:t>
+              <a:t> </a:t>
+            </a:r>
+            <a:r>
+              <a:rPr lang="en-US" dirty="0" smtClean="0"/>
+              <a:t>                 Ci+1=H(NA||RS1) </a:t>
             </a:r>
           </a:p>
           <a:p>
@@ -3980,31 +3523,11 @@
             </a:pPr>
             <a:r>
               <a:rPr lang="en-US" dirty="0" smtClean="0"/>
-              <a:t>                 R</a:t>
-            </a:r>
-            <a:r>
-              <a:rPr lang="en-US" baseline="30000" dirty="0" smtClean="0"/>
-              <a:t>i+1</a:t>
-            </a:r>
-            <a:r>
-              <a:rPr lang="en-US" dirty="0" smtClean="0"/>
-              <a:t>=P</a:t>
-            </a:r>
-            <a:r>
-              <a:rPr lang="en-US" baseline="-25000" dirty="0" smtClean="0"/>
-              <a:t>A</a:t>
-            </a:r>
-            <a:r>
-              <a:rPr lang="en-US" dirty="0" smtClean="0"/>
-              <a:t>(C</a:t>
-            </a:r>
-            <a:r>
-              <a:rPr lang="en-US" baseline="30000" dirty="0" smtClean="0"/>
-              <a:t>j+1</a:t>
-            </a:r>
-            <a:r>
-              <a:rPr lang="en-US" dirty="0" smtClean="0"/>
-              <a:t>)</a:t>
+              <a:t> </a:t>
+            </a:r>
+            <a:r>
+              <a:rPr lang="en-US" dirty="0" smtClean="0"/>
+              <a:t>                 Ri+1=PA(Cj+1)</a:t>
             </a:r>
           </a:p>
           <a:p>
@@ -4013,57 +3536,17 @@
             </a:pPr>
             <a:r>
               <a:rPr lang="en-US" dirty="0" smtClean="0"/>
-              <a:t>                 M</a:t>
-            </a:r>
-            <a:r>
-              <a:rPr lang="en-US" baseline="-25000" dirty="0" smtClean="0"/>
-              <a:t>S1</a:t>
-            </a:r>
-            <a:r>
-              <a:rPr lang="en-US" dirty="0" smtClean="0"/>
-              <a:t>={ID</a:t>
-            </a:r>
-            <a:r>
-              <a:rPr lang="en-US" baseline="-25000" dirty="0" smtClean="0"/>
-              <a:t>A</a:t>
-            </a:r>
-            <a:r>
-              <a:rPr lang="en-US" dirty="0" smtClean="0"/>
-              <a:t>,N</a:t>
-            </a:r>
-            <a:r>
-              <a:rPr lang="en-US" baseline="-25000" dirty="0" smtClean="0"/>
-              <a:t>A</a:t>
-            </a:r>
-            <a:r>
-              <a:rPr lang="en-US" dirty="0" smtClean="0"/>
-              <a:t>,R</a:t>
-            </a:r>
-            <a:r>
-              <a:rPr lang="en-US" baseline="-25000" dirty="0" smtClean="0"/>
-              <a:t>S1</a:t>
-            </a:r>
-            <a:r>
-              <a:rPr lang="en-US" dirty="0" smtClean="0"/>
-              <a:t>,R</a:t>
-            </a:r>
-            <a:r>
-              <a:rPr lang="en-US" baseline="30000" dirty="0" smtClean="0"/>
-              <a:t>i+1</a:t>
-            </a:r>
-            <a:r>
-              <a:rPr lang="en-US" dirty="0" smtClean="0"/>
-              <a:t>}</a:t>
-            </a:r>
-            <a:r>
-              <a:rPr lang="en-US" baseline="-25000" dirty="0" err="1" smtClean="0"/>
-              <a:t>R</a:t>
-            </a:r>
-            <a:r>
-              <a:rPr lang="en-US" baseline="30000" dirty="0" err="1" smtClean="0"/>
-              <a:t>i</a:t>
-            </a:r>
-            <a:endParaRPr lang="en-US" baseline="-25000" dirty="0" smtClean="0"/>
+              <a:t> </a:t>
+            </a:r>
+            <a:r>
+              <a:rPr lang="en-US" dirty="0" smtClean="0"/>
+              <a:t>                  MS1={IDA,NA,RS1,Ri+1}</a:t>
+            </a:r>
+            <a:r>
+              <a:rPr lang="en-US" dirty="0" err="1" smtClean="0"/>
+              <a:t>Ri</a:t>
+            </a:r>
+            <a:endParaRPr lang="en-US" dirty="0" smtClean="0"/>
           </a:p>
           <a:p>
             <a:pPr>
@@ -4071,35 +3554,11 @@
             </a:pPr>
             <a:r>
               <a:rPr lang="en-US" dirty="0" smtClean="0"/>
-              <a:t>                 M</a:t>
-            </a:r>
-            <a:r>
-              <a:rPr lang="en-US" baseline="-25000" dirty="0" smtClean="0"/>
-              <a:t>B1</a:t>
-            </a:r>
-            <a:r>
-              <a:rPr lang="en-US" dirty="0" smtClean="0"/>
-              <a:t>={ID</a:t>
-            </a:r>
-            <a:r>
-              <a:rPr lang="en-US" baseline="-25000" dirty="0" smtClean="0"/>
-              <a:t>A</a:t>
-            </a:r>
-            <a:r>
-              <a:rPr lang="en-US" dirty="0" smtClean="0"/>
-              <a:t>,N</a:t>
-            </a:r>
-            <a:r>
-              <a:rPr lang="en-US" baseline="-25000" dirty="0"/>
-              <a:t>3</a:t>
-            </a:r>
-            <a:r>
-              <a:rPr lang="en-US" dirty="0" smtClean="0"/>
-              <a:t>}R</a:t>
-            </a:r>
-            <a:r>
-              <a:rPr lang="en-US" baseline="-25000" dirty="0" smtClean="0"/>
-              <a:t>S2</a:t>
+              <a:t> </a:t>
+            </a:r>
+            <a:r>
+              <a:rPr lang="en-US" dirty="0" smtClean="0"/>
+              <a:t>                  MB1={IDA,NB}RS2</a:t>
             </a:r>
           </a:p>
           <a:p>
@@ -4108,51 +3567,15 @@
             </a:pPr>
             <a:r>
               <a:rPr lang="en-US" dirty="0" smtClean="0"/>
-              <a:t>Output : ID</a:t>
-            </a:r>
-            <a:r>
-              <a:rPr lang="en-US" baseline="-25000" dirty="0" smtClean="0"/>
-              <a:t>A</a:t>
-            </a:r>
-            <a:r>
-              <a:rPr lang="en-US" dirty="0" smtClean="0"/>
-              <a:t>,M</a:t>
-            </a:r>
-            <a:r>
-              <a:rPr lang="en-US" baseline="-25000" dirty="0" smtClean="0"/>
-              <a:t>S1</a:t>
-            </a:r>
-            <a:r>
-              <a:rPr lang="en-US" dirty="0" smtClean="0"/>
-              <a:t>,MAC(M</a:t>
-            </a:r>
-            <a:r>
-              <a:rPr lang="en-US" baseline="-25000" dirty="0" smtClean="0"/>
-              <a:t>S1</a:t>
-            </a:r>
-            <a:r>
-              <a:rPr lang="en-US" dirty="0" smtClean="0"/>
-              <a:t>||</a:t>
+              <a:t>Output : IDA,MS1,MAC(MS1||</a:t>
             </a:r>
             <a:r>
               <a:rPr lang="en-US" dirty="0" err="1" smtClean="0"/>
-              <a:t>R</a:t>
-            </a:r>
-            <a:r>
-              <a:rPr lang="en-US" baseline="30000" dirty="0" err="1" smtClean="0"/>
-              <a:t>i</a:t>
-            </a:r>
-            <a:r>
-              <a:rPr lang="en-US" dirty="0" smtClean="0"/>
-              <a:t>||N</a:t>
-            </a:r>
-            <a:r>
-              <a:rPr lang="en-US" baseline="-25000" dirty="0" smtClean="0"/>
-              <a:t>A</a:t>
-            </a:r>
-            <a:r>
-              <a:rPr lang="en-US" dirty="0" smtClean="0"/>
-              <a:t>) </a:t>
+              <a:t>Ri</a:t>
+            </a:r>
+            <a:r>
+              <a:rPr lang="en-US" dirty="0" smtClean="0"/>
+              <a:t>||NA) </a:t>
             </a:r>
           </a:p>
           <a:p>
@@ -4161,7 +3584,11 @@
             </a:pPr>
             <a:r>
               <a:rPr lang="en-US" dirty="0" smtClean="0"/>
-              <a:t>                      </a:t>
+              <a:t> </a:t>
+            </a:r>
+            <a:r>
+              <a:rPr lang="en-US" dirty="0" smtClean="0"/>
+              <a:t>                     </a:t>
             </a:r>
             <a:endParaRPr lang="en-US" dirty="0"/>
           </a:p>
@@ -4172,16 +3599,6 @@
   <p:clrMapOvr>
     <a:masterClrMapping/>
   </p:clrMapOvr>
-  <p:transition spd="slow">
-    <p:push dir="u"/>
-  </p:transition>
-  <p:timing>
-    <p:tnLst>
-      <p:par>
-        <p:cTn id="1" dur="indefinite" restart="never" nodeType="tmRoot"/>
-      </p:par>
-    </p:tnLst>
-  </p:timing>
 </p:sld>
 </file>
 
@@ -4218,10 +3635,10 @@
           <a:lstStyle/>
           <a:p>
             <a:r>
-              <a:rPr lang="en-US" b="1" dirty="0" smtClean="0"/>
-              <a:t>Module 3 (Verification)</a:t>
-            </a:r>
-            <a:endParaRPr lang="en-US" b="1" dirty="0"/>
+              <a:rPr lang="en-US" dirty="0" smtClean="0"/>
+              <a:t>Module 3</a:t>
+            </a:r>
+            <a:endParaRPr lang="en-US" dirty="0"/>
           </a:p>
         </p:txBody>
       </p:sp>
@@ -4235,12 +3652,7 @@
             <p:ph idx="1"/>
           </p:nvPr>
         </p:nvSpPr>
-        <p:spPr>
-          <a:xfrm>
-            <a:off x="953036" y="2021983"/>
-            <a:ext cx="10400763" cy="4154980"/>
-          </a:xfrm>
-        </p:spPr>
+        <p:spPr/>
         <p:txBody>
           <a:bodyPr/>
           <a:lstStyle/>
@@ -4250,51 +3662,44 @@
             </a:pPr>
             <a:r>
               <a:rPr lang="en-US" dirty="0" smtClean="0"/>
-              <a:t>Input     : ID</a:t>
-            </a:r>
-            <a:r>
-              <a:rPr lang="en-US" baseline="-25000" dirty="0" smtClean="0"/>
-              <a:t>A</a:t>
-            </a:r>
-            <a:r>
-              <a:rPr lang="en-US" dirty="0" smtClean="0"/>
-              <a:t>,M</a:t>
-            </a:r>
-            <a:r>
-              <a:rPr lang="en-US" baseline="-25000" dirty="0" smtClean="0"/>
-              <a:t>S1</a:t>
-            </a:r>
-            <a:r>
-              <a:rPr lang="en-US" dirty="0" smtClean="0"/>
-              <a:t>,MAC(M</a:t>
-            </a:r>
-            <a:r>
-              <a:rPr lang="en-US" baseline="-25000" dirty="0" smtClean="0"/>
-              <a:t>S1</a:t>
-            </a:r>
-            <a:r>
-              <a:rPr lang="en-US" dirty="0"/>
-              <a:t>||</a:t>
-            </a:r>
-            <a:r>
-              <a:rPr lang="en-US" dirty="0" err="1"/>
-              <a:t>R</a:t>
-            </a:r>
-            <a:r>
-              <a:rPr lang="en-US" baseline="30000" dirty="0" err="1"/>
-              <a:t>i</a:t>
-            </a:r>
-            <a:r>
-              <a:rPr lang="en-US" dirty="0"/>
-              <a:t>||N</a:t>
-            </a:r>
-            <a:r>
-              <a:rPr lang="en-US" baseline="-25000" dirty="0"/>
-              <a:t>A</a:t>
-            </a:r>
-            <a:r>
-              <a:rPr lang="en-US" dirty="0"/>
-              <a:t>) </a:t>
+              <a:t>Input :</a:t>
+            </a:r>
+            <a:r>
+              <a:rPr lang="en-US" dirty="0" smtClean="0"/>
+              <a:t> </a:t>
+            </a:r>
+            <a:r>
+              <a:rPr lang="en-US" dirty="0" smtClean="0"/>
+              <a:t> </a:t>
+            </a:r>
+            <a:r>
+              <a:rPr lang="en-US" dirty="0" smtClean="0"/>
+              <a:t>IDA,MS1,MAC(MS1||</a:t>
+            </a:r>
+            <a:r>
+              <a:rPr lang="en-US" dirty="0" err="1" smtClean="0"/>
+              <a:t>Ri</a:t>
+            </a:r>
+            <a:r>
+              <a:rPr lang="en-US" dirty="0" smtClean="0"/>
+              <a:t>||NA</a:t>
+            </a:r>
+            <a:r>
+              <a:rPr lang="en-US" dirty="0" smtClean="0"/>
+              <a:t>)</a:t>
+            </a:r>
+          </a:p>
+          <a:p>
+            <a:pPr>
+              <a:buNone/>
+            </a:pPr>
+            <a:r>
+              <a:rPr lang="en-US" dirty="0" smtClean="0"/>
+              <a:t>Process : obtain NA and Ri+1 using </a:t>
+            </a:r>
+            <a:r>
+              <a:rPr lang="en-US" dirty="0" err="1" smtClean="0"/>
+              <a:t>Ri</a:t>
             </a:r>
             <a:endParaRPr lang="en-US" dirty="0" smtClean="0"/>
           </a:p>
@@ -4304,167 +3709,41 @@
             </a:pPr>
             <a:r>
               <a:rPr lang="en-US" dirty="0" smtClean="0"/>
-              <a:t>Process : Obtain N</a:t>
-            </a:r>
-            <a:r>
-              <a:rPr lang="en-US" baseline="-25000" dirty="0" smtClean="0"/>
-              <a:t>A</a:t>
-            </a:r>
-            <a:r>
-              <a:rPr lang="en-US" dirty="0" smtClean="0"/>
-              <a:t> and R</a:t>
-            </a:r>
-            <a:r>
-              <a:rPr lang="en-US" baseline="30000" dirty="0" smtClean="0"/>
-              <a:t>i+1</a:t>
-            </a:r>
-            <a:r>
-              <a:rPr lang="en-US" dirty="0" smtClean="0"/>
-              <a:t> using </a:t>
+              <a:t> </a:t>
+            </a:r>
+            <a:r>
+              <a:rPr lang="en-US" dirty="0" smtClean="0"/>
+              <a:t>                verify MAC</a:t>
+            </a:r>
+          </a:p>
+          <a:p>
+            <a:pPr>
+              <a:buNone/>
+            </a:pPr>
+            <a:r>
+              <a:rPr lang="en-US" dirty="0" smtClean="0"/>
+              <a:t> </a:t>
+            </a:r>
+            <a:r>
+              <a:rPr lang="en-US" dirty="0" smtClean="0"/>
+              <a:t>                 Ci+1=H(NA||RS1)</a:t>
+            </a:r>
+          </a:p>
+          <a:p>
+            <a:pPr>
+              <a:buNone/>
+            </a:pPr>
+            <a:r>
+              <a:rPr lang="en-US" dirty="0" smtClean="0"/>
+              <a:t>Output : Cj,MB,MB1,MAC(MB||</a:t>
             </a:r>
             <a:r>
               <a:rPr lang="en-US" dirty="0" err="1" smtClean="0"/>
-              <a:t>R</a:t>
-            </a:r>
-            <a:r>
-              <a:rPr lang="en-US" baseline="30000" dirty="0" err="1" smtClean="0"/>
-              <a:t>i</a:t>
-            </a:r>
-            <a:endParaRPr lang="en-US" baseline="30000" dirty="0" smtClean="0"/>
-          </a:p>
-          <a:p>
-            <a:pPr>
-              <a:buNone/>
-            </a:pPr>
-            <a:r>
-              <a:rPr lang="en-US" dirty="0" smtClean="0"/>
-              <a:t>                 </a:t>
-            </a:r>
-            <a:r>
-              <a:rPr lang="en-US" dirty="0"/>
-              <a:t>V</a:t>
-            </a:r>
-            <a:r>
-              <a:rPr lang="en-US" dirty="0" smtClean="0"/>
-              <a:t>erify MAC</a:t>
-            </a:r>
-          </a:p>
-          <a:p>
-            <a:pPr>
-              <a:buNone/>
-            </a:pPr>
-            <a:r>
-              <a:rPr lang="en-US" dirty="0" smtClean="0"/>
-              <a:t>                 C</a:t>
-            </a:r>
-            <a:r>
-              <a:rPr lang="en-US" baseline="30000" dirty="0" smtClean="0"/>
-              <a:t>i+1</a:t>
-            </a:r>
-            <a:r>
-              <a:rPr lang="en-US" dirty="0" smtClean="0"/>
-              <a:t>=H(N</a:t>
-            </a:r>
-            <a:r>
-              <a:rPr lang="en-US" baseline="-25000" dirty="0" smtClean="0"/>
-              <a:t>A</a:t>
-            </a:r>
-            <a:r>
-              <a:rPr lang="en-US" dirty="0" smtClean="0"/>
-              <a:t>||R</a:t>
-            </a:r>
-            <a:r>
-              <a:rPr lang="en-US" baseline="-25000" dirty="0" smtClean="0"/>
-              <a:t>S1</a:t>
-            </a:r>
-            <a:r>
-              <a:rPr lang="en-US" dirty="0" smtClean="0"/>
-              <a:t>)</a:t>
-            </a:r>
-          </a:p>
-          <a:p>
-            <a:pPr>
-              <a:buNone/>
-            </a:pPr>
-            <a:r>
-              <a:rPr lang="en-US" dirty="0" smtClean="0"/>
-              <a:t>Output : C</a:t>
-            </a:r>
-            <a:r>
-              <a:rPr lang="en-US" baseline="30000" dirty="0" smtClean="0"/>
-              <a:t>j</a:t>
-            </a:r>
-            <a:r>
-              <a:rPr lang="en-US" dirty="0" smtClean="0"/>
-              <a:t>,M</a:t>
-            </a:r>
-            <a:r>
-              <a:rPr lang="en-US" baseline="-25000" dirty="0" smtClean="0"/>
-              <a:t>B</a:t>
-            </a:r>
-            <a:r>
-              <a:rPr lang="en-US" dirty="0" smtClean="0"/>
-              <a:t>,M</a:t>
-            </a:r>
-            <a:r>
-              <a:rPr lang="en-US" baseline="-25000" dirty="0" smtClean="0"/>
-              <a:t>B1</a:t>
-            </a:r>
-            <a:r>
-              <a:rPr lang="en-US" dirty="0" smtClean="0"/>
-              <a:t>,MAC(M</a:t>
-            </a:r>
-            <a:r>
-              <a:rPr lang="en-US" baseline="-25000" dirty="0" smtClean="0"/>
-              <a:t>B</a:t>
-            </a:r>
-            <a:r>
-              <a:rPr lang="en-US" dirty="0" smtClean="0"/>
-              <a:t>||</a:t>
-            </a:r>
-            <a:r>
-              <a:rPr lang="en-US" dirty="0" err="1" smtClean="0"/>
-              <a:t>R</a:t>
-            </a:r>
-            <a:r>
-              <a:rPr lang="en-US" baseline="-25000" dirty="0" err="1" smtClean="0"/>
-              <a:t>j</a:t>
-            </a:r>
-            <a:r>
-              <a:rPr lang="en-US" dirty="0" smtClean="0"/>
-              <a:t>||R</a:t>
-            </a:r>
-            <a:r>
-              <a:rPr lang="en-US" baseline="-25000" dirty="0" smtClean="0"/>
-              <a:t>S2</a:t>
-            </a:r>
-            <a:r>
-              <a:rPr lang="en-US" dirty="0" smtClean="0"/>
-              <a:t>),MAC(M</a:t>
-            </a:r>
-            <a:r>
-              <a:rPr lang="en-US" baseline="-25000" dirty="0" smtClean="0"/>
-              <a:t>B1</a:t>
-            </a:r>
-            <a:r>
-              <a:rPr lang="en-US" dirty="0" smtClean="0"/>
-              <a:t>||R</a:t>
-            </a:r>
-            <a:r>
-              <a:rPr lang="en-US" baseline="-25000" dirty="0" smtClean="0"/>
-              <a:t>S2</a:t>
-            </a:r>
-            <a:r>
-              <a:rPr lang="en-US" dirty="0" smtClean="0"/>
-              <a:t>||N</a:t>
-            </a:r>
-            <a:r>
-              <a:rPr lang="en-US" baseline="-25000" dirty="0" smtClean="0"/>
-              <a:t>B</a:t>
-            </a:r>
-            <a:r>
-              <a:rPr lang="en-US" dirty="0" smtClean="0"/>
-              <a:t>)</a:t>
+              <a:t>Rj</a:t>
+            </a:r>
+            <a:r>
+              <a:rPr lang="en-US" dirty="0" smtClean="0"/>
+              <a:t>||RS2),MAC(MB1||RS2||NB)</a:t>
             </a:r>
             <a:endParaRPr lang="en-US" dirty="0"/>
           </a:p>
@@ -4475,25 +3754,6 @@
   <p:clrMapOvr>
     <a:masterClrMapping/>
   </p:clrMapOvr>
-  <mc:AlternateContent xmlns:mc="http://schemas.openxmlformats.org/markup-compatibility/2006" xmlns:p14="http://schemas.microsoft.com/office/powerpoint/2010/main">
-    <mc:Choice Requires="p14">
-      <p:transition spd="slow" p14:dur="1400">
-        <p14:doors dir="vert"/>
-      </p:transition>
-    </mc:Choice>
-    <mc:Fallback xmlns="">
-      <p:transition spd="slow">
-        <p:fade/>
-      </p:transition>
-    </mc:Fallback>
-  </mc:AlternateContent>
-  <p:timing>
-    <p:tnLst>
-      <p:par>
-        <p:cTn id="1" dur="indefinite" restart="never" nodeType="tmRoot"/>
-      </p:par>
-    </p:tnLst>
-  </p:timing>
 </p:sld>
 </file>
 
@@ -4524,21 +3784,16 @@
             <p:ph type="title"/>
           </p:nvPr>
         </p:nvSpPr>
-        <p:spPr>
-          <a:xfrm>
-            <a:off x="682580" y="236336"/>
-            <a:ext cx="10515600" cy="1325563"/>
-          </a:xfrm>
-        </p:spPr>
+        <p:spPr/>
         <p:txBody>
           <a:bodyPr/>
           <a:lstStyle/>
           <a:p>
             <a:r>
-              <a:rPr lang="en-US" b="1" dirty="0" smtClean="0"/>
-              <a:t>Module 4 (new CRP creation on IDB)</a:t>
-            </a:r>
-            <a:endParaRPr lang="en-US" b="1" dirty="0"/>
+              <a:rPr lang="en-US" dirty="0" smtClean="0"/>
+              <a:t>Module 4</a:t>
+            </a:r>
+            <a:endParaRPr lang="en-US" dirty="0"/>
           </a:p>
         </p:txBody>
       </p:sp>
@@ -4552,15 +3807,10 @@
             <p:ph idx="1"/>
           </p:nvPr>
         </p:nvSpPr>
-        <p:spPr>
-          <a:xfrm>
-            <a:off x="682580" y="1825625"/>
-            <a:ext cx="10671220" cy="4497902"/>
-          </a:xfrm>
-        </p:spPr>
+        <p:spPr/>
         <p:txBody>
           <a:bodyPr>
-            <a:normAutofit fontScale="92500" lnSpcReduction="10000"/>
+            <a:normAutofit fontScale="92500" lnSpcReduction="20000"/>
           </a:bodyPr>
           <a:lstStyle/>
           <a:p>
@@ -4572,83 +3822,40 @@
               <a:t>Input : </a:t>
             </a:r>
             <a:r>
-              <a:rPr lang="en-US" dirty="0"/>
-              <a:t> C</a:t>
-            </a:r>
-            <a:r>
-              <a:rPr lang="en-US" baseline="30000" dirty="0"/>
-              <a:t>j</a:t>
-            </a:r>
-            <a:r>
-              <a:rPr lang="en-US" dirty="0"/>
-              <a:t>,M</a:t>
-            </a:r>
-            <a:r>
-              <a:rPr lang="en-US" baseline="-25000" dirty="0"/>
-              <a:t>B</a:t>
-            </a:r>
-            <a:r>
-              <a:rPr lang="en-US" dirty="0"/>
-              <a:t>,M</a:t>
-            </a:r>
-            <a:r>
-              <a:rPr lang="en-US" baseline="-25000" dirty="0"/>
-              <a:t>B1</a:t>
-            </a:r>
-            <a:r>
-              <a:rPr lang="en-US" dirty="0"/>
-              <a:t>,MAC(M</a:t>
-            </a:r>
-            <a:r>
-              <a:rPr lang="en-US" baseline="-25000" dirty="0"/>
-              <a:t>B</a:t>
-            </a:r>
-            <a:r>
-              <a:rPr lang="en-US" dirty="0"/>
-              <a:t>||</a:t>
-            </a:r>
-            <a:r>
-              <a:rPr lang="en-US" dirty="0" err="1"/>
-              <a:t>R</a:t>
-            </a:r>
-            <a:r>
-              <a:rPr lang="en-US" baseline="-25000" dirty="0" err="1"/>
-              <a:t>j</a:t>
-            </a:r>
-            <a:r>
-              <a:rPr lang="en-US" dirty="0"/>
-              <a:t>||R</a:t>
-            </a:r>
-            <a:r>
-              <a:rPr lang="en-US" baseline="-25000" dirty="0"/>
-              <a:t>S2</a:t>
-            </a:r>
-            <a:r>
-              <a:rPr lang="en-US" dirty="0"/>
-              <a:t>),MAC(M</a:t>
-            </a:r>
-            <a:r>
-              <a:rPr lang="en-US" baseline="-25000" dirty="0"/>
-              <a:t>B1</a:t>
-            </a:r>
-            <a:r>
-              <a:rPr lang="en-US" dirty="0"/>
-              <a:t>||R</a:t>
-            </a:r>
-            <a:r>
-              <a:rPr lang="en-US" baseline="-25000" dirty="0"/>
-              <a:t>S2</a:t>
-            </a:r>
-            <a:r>
-              <a:rPr lang="en-US" dirty="0"/>
-              <a:t>||N</a:t>
-            </a:r>
-            <a:r>
-              <a:rPr lang="en-US" baseline="-25000" dirty="0"/>
-              <a:t>B</a:t>
-            </a:r>
-            <a:r>
-              <a:rPr lang="en-US" dirty="0"/>
+              <a:rPr lang="en-US" dirty="0" smtClean="0"/>
+              <a:t>Cj,MB,MB1,MAC(MB||</a:t>
+            </a:r>
+            <a:r>
+              <a:rPr lang="en-US" dirty="0" err="1" smtClean="0"/>
+              <a:t>Rj</a:t>
+            </a:r>
+            <a:r>
+              <a:rPr lang="en-US" dirty="0" smtClean="0"/>
+              <a:t>||RS2),MAC(MB1||RS2||NB)</a:t>
+            </a:r>
+          </a:p>
+          <a:p>
+            <a:pPr>
+              <a:buNone/>
+            </a:pPr>
+            <a:r>
+              <a:rPr lang="en-US" dirty="0" smtClean="0"/>
+              <a:t>Process : </a:t>
+            </a:r>
+            <a:r>
+              <a:rPr lang="en-US" dirty="0" err="1" smtClean="0"/>
+              <a:t>Rj</a:t>
+            </a:r>
+            <a:r>
+              <a:rPr lang="en-US" dirty="0" smtClean="0"/>
+              <a:t>=PB(</a:t>
+            </a:r>
+            <a:r>
+              <a:rPr lang="en-US" dirty="0" err="1" smtClean="0"/>
+              <a:t>Cj</a:t>
+            </a:r>
+            <a:r>
+              <a:rPr lang="en-US" dirty="0" smtClean="0"/>
               <a:t>)</a:t>
             </a:r>
           </a:p>
@@ -4658,40 +3865,88 @@
             </a:pPr>
             <a:r>
               <a:rPr lang="en-US" dirty="0" smtClean="0"/>
-              <a:t>Process : </a:t>
+              <a:t>                Obtain RS1 and RS2 using </a:t>
             </a:r>
             <a:r>
               <a:rPr lang="en-US" dirty="0" err="1" smtClean="0"/>
-              <a:t>R</a:t>
-            </a:r>
-            <a:r>
-              <a:rPr lang="en-US" baseline="30000" dirty="0" err="1" smtClean="0"/>
-              <a:t>j</a:t>
-            </a:r>
-            <a:r>
-              <a:rPr lang="en-US" dirty="0" smtClean="0"/>
-              <a:t>=P</a:t>
-            </a:r>
-            <a:r>
-              <a:rPr lang="en-US" baseline="-25000" dirty="0" smtClean="0"/>
-              <a:t>B</a:t>
-            </a:r>
-            <a:r>
-              <a:rPr lang="en-US" dirty="0" smtClean="0"/>
-              <a:t>(</a:t>
+              <a:t>Rj</a:t>
+            </a:r>
+            <a:endParaRPr lang="en-US" dirty="0" smtClean="0"/>
+          </a:p>
+          <a:p>
+            <a:pPr>
+              <a:buNone/>
+            </a:pPr>
+            <a:r>
+              <a:rPr lang="en-US" dirty="0" smtClean="0"/>
+              <a:t>                Obtain NB using RS2</a:t>
+            </a:r>
+          </a:p>
+          <a:p>
+            <a:pPr>
+              <a:buNone/>
+            </a:pPr>
+            <a:r>
+              <a:rPr lang="en-US" dirty="0" smtClean="0"/>
+              <a:t>                Verify MACs</a:t>
+            </a:r>
+          </a:p>
+          <a:p>
+            <a:pPr>
+              <a:buNone/>
+            </a:pPr>
+            <a:r>
+              <a:rPr lang="en-US" dirty="0" smtClean="0"/>
+              <a:t> </a:t>
+            </a:r>
+            <a:r>
+              <a:rPr lang="en-US" dirty="0" smtClean="0"/>
+              <a:t>               Generate NB</a:t>
+            </a:r>
+          </a:p>
+          <a:p>
+            <a:pPr>
+              <a:buNone/>
+            </a:pPr>
+            <a:r>
+              <a:rPr lang="en-US" dirty="0" smtClean="0"/>
+              <a:t> </a:t>
+            </a:r>
+            <a:r>
+              <a:rPr lang="en-US" dirty="0" smtClean="0"/>
+              <a:t>               Cj+1=H(NB||RS2)</a:t>
+            </a:r>
+          </a:p>
+          <a:p>
+            <a:pPr>
+              <a:buNone/>
+            </a:pPr>
+            <a:r>
+              <a:rPr lang="en-US" dirty="0" smtClean="0"/>
+              <a:t> </a:t>
+            </a:r>
+            <a:r>
+              <a:rPr lang="en-US" dirty="0" smtClean="0"/>
+              <a:t>               Rj+1=PB(Cj+1)</a:t>
+            </a:r>
+          </a:p>
+          <a:p>
+            <a:pPr>
+              <a:buNone/>
+            </a:pPr>
+            <a:r>
+              <a:rPr lang="en-US" dirty="0" smtClean="0"/>
+              <a:t> </a:t>
+            </a:r>
+            <a:r>
+              <a:rPr lang="en-US" dirty="0" smtClean="0"/>
+              <a:t>               MS2={IDB,NB,RS2,Rj+1}</a:t>
             </a:r>
             <a:r>
               <a:rPr lang="en-US" dirty="0" err="1" smtClean="0"/>
-              <a:t>C</a:t>
-            </a:r>
-            <a:r>
-              <a:rPr lang="en-US" baseline="30000" dirty="0" err="1" smtClean="0"/>
-              <a:t>j</a:t>
-            </a:r>
-            <a:r>
-              <a:rPr lang="en-US" dirty="0" smtClean="0"/>
-              <a:t>)</a:t>
-            </a:r>
+              <a:t>Rj</a:t>
+            </a:r>
+            <a:endParaRPr lang="en-US" dirty="0" smtClean="0"/>
           </a:p>
           <a:p>
             <a:pPr>
@@ -4699,252 +3954,15 @@
             </a:pPr>
             <a:r>
               <a:rPr lang="en-US" dirty="0" smtClean="0"/>
-              <a:t>                Obtain R</a:t>
-            </a:r>
-            <a:r>
-              <a:rPr lang="en-US" baseline="-25000" dirty="0" smtClean="0"/>
-              <a:t>S1</a:t>
-            </a:r>
-            <a:r>
-              <a:rPr lang="en-US" dirty="0" smtClean="0"/>
-              <a:t> and R</a:t>
-            </a:r>
-            <a:r>
-              <a:rPr lang="en-US" baseline="-25000" dirty="0" smtClean="0"/>
-              <a:t>S2</a:t>
-            </a:r>
-            <a:r>
-              <a:rPr lang="en-US" dirty="0" smtClean="0"/>
-              <a:t> using </a:t>
+              <a:t>Output : IDB,MS2,MAC(MS2||</a:t>
             </a:r>
             <a:r>
               <a:rPr lang="en-US" dirty="0" err="1" smtClean="0"/>
-              <a:t>R</a:t>
-            </a:r>
-            <a:r>
-              <a:rPr lang="en-US" baseline="30000" dirty="0" err="1" smtClean="0"/>
-              <a:t>j</a:t>
-            </a:r>
-            <a:endParaRPr lang="en-US" baseline="30000" dirty="0" smtClean="0"/>
-          </a:p>
-          <a:p>
-            <a:pPr>
-              <a:buNone/>
-            </a:pPr>
-            <a:r>
-              <a:rPr lang="en-US" dirty="0" smtClean="0"/>
-              <a:t>                Obtain N</a:t>
-            </a:r>
-            <a:r>
-              <a:rPr lang="en-US" baseline="-25000" dirty="0" smtClean="0"/>
-              <a:t>B</a:t>
-            </a:r>
-            <a:r>
-              <a:rPr lang="en-US" dirty="0" smtClean="0"/>
-              <a:t> using R</a:t>
-            </a:r>
-            <a:r>
-              <a:rPr lang="en-US" baseline="-25000" dirty="0" smtClean="0"/>
-              <a:t>S2</a:t>
-            </a:r>
-          </a:p>
-          <a:p>
-            <a:pPr>
-              <a:buNone/>
-            </a:pPr>
-            <a:r>
-              <a:rPr lang="en-US" dirty="0" smtClean="0"/>
-              <a:t>                Verify MACs</a:t>
-            </a:r>
-          </a:p>
-          <a:p>
-            <a:pPr>
-              <a:buNone/>
-            </a:pPr>
-            <a:r>
-              <a:rPr lang="en-US" dirty="0" smtClean="0"/>
-              <a:t>                Generate N</a:t>
-            </a:r>
-            <a:r>
-              <a:rPr lang="en-US" baseline="-25000" dirty="0" smtClean="0"/>
-              <a:t>B</a:t>
-            </a:r>
-          </a:p>
-          <a:p>
-            <a:pPr>
-              <a:buNone/>
-            </a:pPr>
-            <a:r>
-              <a:rPr lang="en-US" dirty="0" smtClean="0"/>
-              <a:t>                C</a:t>
-            </a:r>
-            <a:r>
-              <a:rPr lang="en-US" baseline="30000" dirty="0" smtClean="0"/>
-              <a:t>j+1</a:t>
-            </a:r>
-            <a:r>
-              <a:rPr lang="en-US" dirty="0" smtClean="0"/>
-              <a:t>=H(N</a:t>
-            </a:r>
-            <a:r>
-              <a:rPr lang="en-US" baseline="-25000" dirty="0" smtClean="0"/>
-              <a:t>B</a:t>
-            </a:r>
-            <a:r>
-              <a:rPr lang="en-US" dirty="0" smtClean="0"/>
-              <a:t>||R</a:t>
-            </a:r>
-            <a:r>
-              <a:rPr lang="en-US" baseline="-25000" dirty="0" smtClean="0"/>
-              <a:t>S2</a:t>
-            </a:r>
-            <a:r>
-              <a:rPr lang="en-US" dirty="0" smtClean="0"/>
-              <a:t>)</a:t>
-            </a:r>
-          </a:p>
-          <a:p>
-            <a:pPr>
-              <a:buNone/>
-            </a:pPr>
-            <a:r>
-              <a:rPr lang="en-US" dirty="0" smtClean="0"/>
-              <a:t>                R</a:t>
-            </a:r>
-            <a:r>
-              <a:rPr lang="en-US" baseline="30000" dirty="0" smtClean="0"/>
-              <a:t>j+1</a:t>
-            </a:r>
-            <a:r>
-              <a:rPr lang="en-US" dirty="0" smtClean="0"/>
-              <a:t>=P</a:t>
-            </a:r>
-            <a:r>
-              <a:rPr lang="en-US" baseline="-25000" dirty="0" smtClean="0"/>
-              <a:t>B</a:t>
-            </a:r>
-            <a:r>
-              <a:rPr lang="en-US" dirty="0" smtClean="0"/>
-              <a:t>(C</a:t>
-            </a:r>
-            <a:r>
-              <a:rPr lang="en-US" baseline="30000" dirty="0" smtClean="0"/>
-              <a:t>j+1</a:t>
-            </a:r>
-            <a:r>
-              <a:rPr lang="en-US" dirty="0" smtClean="0"/>
-              <a:t>)</a:t>
-            </a:r>
-          </a:p>
-          <a:p>
-            <a:pPr>
-              <a:buNone/>
-            </a:pPr>
-            <a:r>
-              <a:rPr lang="en-US" dirty="0" smtClean="0"/>
-              <a:t>                M</a:t>
-            </a:r>
-            <a:r>
-              <a:rPr lang="en-US" baseline="-25000" dirty="0" smtClean="0"/>
-              <a:t>S2</a:t>
-            </a:r>
-            <a:r>
-              <a:rPr lang="en-US" dirty="0" smtClean="0"/>
-              <a:t>={ID</a:t>
-            </a:r>
-            <a:r>
-              <a:rPr lang="en-US" baseline="-25000" dirty="0" smtClean="0"/>
-              <a:t>B</a:t>
-            </a:r>
-            <a:r>
-              <a:rPr lang="en-US" dirty="0" smtClean="0"/>
-              <a:t>,N</a:t>
-            </a:r>
-            <a:r>
-              <a:rPr lang="en-US" baseline="-25000" dirty="0" smtClean="0"/>
-              <a:t>B</a:t>
-            </a:r>
-            <a:r>
-              <a:rPr lang="en-US" dirty="0" smtClean="0"/>
-              <a:t>,R</a:t>
-            </a:r>
-            <a:r>
-              <a:rPr lang="en-US" baseline="-25000" dirty="0" smtClean="0"/>
-              <a:t>S2</a:t>
-            </a:r>
-            <a:r>
-              <a:rPr lang="en-US" dirty="0" smtClean="0"/>
-              <a:t>,R</a:t>
-            </a:r>
-            <a:r>
-              <a:rPr lang="en-US" baseline="30000" dirty="0" smtClean="0"/>
-              <a:t>j+1</a:t>
-            </a:r>
-            <a:r>
-              <a:rPr lang="en-US" dirty="0" smtClean="0"/>
-              <a:t>}</a:t>
-            </a:r>
-            <a:r>
-              <a:rPr lang="en-US" baseline="-25000" dirty="0" err="1" smtClean="0"/>
-              <a:t>R</a:t>
-            </a:r>
-            <a:r>
-              <a:rPr lang="en-US" baseline="30000" dirty="0" err="1" smtClean="0"/>
-              <a:t>i</a:t>
-            </a:r>
-            <a:endParaRPr lang="en-US" baseline="-25000" dirty="0" smtClean="0"/>
-          </a:p>
-          <a:p>
-            <a:pPr>
-              <a:buNone/>
-            </a:pPr>
-            <a:r>
-              <a:rPr lang="en-US" dirty="0" smtClean="0"/>
-              <a:t>Output : ID</a:t>
-            </a:r>
-            <a:r>
-              <a:rPr lang="en-US" baseline="-25000" dirty="0" smtClean="0"/>
-              <a:t>B</a:t>
-            </a:r>
-            <a:r>
-              <a:rPr lang="en-US" dirty="0" smtClean="0"/>
-              <a:t>,M</a:t>
-            </a:r>
-            <a:r>
-              <a:rPr lang="en-US" baseline="-25000" dirty="0" smtClean="0"/>
-              <a:t>S2</a:t>
-            </a:r>
-            <a:r>
-              <a:rPr lang="en-US" dirty="0" smtClean="0"/>
-              <a:t>,MAC(M</a:t>
-            </a:r>
-            <a:r>
-              <a:rPr lang="en-US" baseline="-25000" dirty="0" smtClean="0"/>
-              <a:t>S2</a:t>
-            </a:r>
-            <a:r>
-              <a:rPr lang="en-US" dirty="0" smtClean="0"/>
-              <a:t>||</a:t>
-            </a:r>
-            <a:r>
-              <a:rPr lang="en-US" dirty="0" err="1" smtClean="0"/>
-              <a:t>R</a:t>
-            </a:r>
-            <a:r>
-              <a:rPr lang="en-US" baseline="30000" dirty="0" err="1" smtClean="0"/>
-              <a:t>j</a:t>
-            </a:r>
-            <a:r>
-              <a:rPr lang="en-US" dirty="0" smtClean="0"/>
-              <a:t>||N</a:t>
-            </a:r>
-            <a:r>
-              <a:rPr lang="en-US" baseline="-25000" dirty="0" smtClean="0"/>
-              <a:t>B</a:t>
-            </a:r>
-            <a:r>
-              <a:rPr lang="en-US" dirty="0" smtClean="0"/>
-              <a:t>)</a:t>
+              <a:t>Rj</a:t>
+            </a:r>
+            <a:r>
+              <a:rPr lang="en-US" dirty="0" smtClean="0"/>
+              <a:t>||NB)</a:t>
             </a:r>
             <a:endParaRPr lang="en-US" dirty="0"/>
           </a:p>
@@ -4955,25 +3973,6 @@
   <p:clrMapOvr>
     <a:masterClrMapping/>
   </p:clrMapOvr>
-  <mc:AlternateContent xmlns:mc="http://schemas.openxmlformats.org/markup-compatibility/2006" xmlns:p14="http://schemas.microsoft.com/office/powerpoint/2010/main">
-    <mc:Choice Requires="p14">
-      <p:transition spd="slow" p14:dur="3400">
-        <p14:reveal/>
-      </p:transition>
-    </mc:Choice>
-    <mc:Fallback xmlns="">
-      <p:transition spd="slow">
-        <p:fade/>
-      </p:transition>
-    </mc:Fallback>
-  </mc:AlternateContent>
-  <p:timing>
-    <p:tnLst>
-      <p:par>
-        <p:cTn id="1" dur="indefinite" restart="never" nodeType="tmRoot"/>
-      </p:par>
-    </p:tnLst>
-  </p:timing>
 </p:sld>
 </file>
 
@@ -5004,21 +4003,16 @@
             <p:ph type="title"/>
           </p:nvPr>
         </p:nvSpPr>
-        <p:spPr>
-          <a:xfrm>
-            <a:off x="774879" y="365125"/>
-            <a:ext cx="10515600" cy="1325563"/>
-          </a:xfrm>
-        </p:spPr>
+        <p:spPr/>
         <p:txBody>
           <a:bodyPr/>
           <a:lstStyle/>
           <a:p>
             <a:r>
-              <a:rPr lang="en-US" b="1" dirty="0" smtClean="0"/>
-              <a:t>Module 5 (Verification)</a:t>
-            </a:r>
-            <a:endParaRPr lang="en-US" b="1" dirty="0"/>
+              <a:rPr lang="en-US" dirty="0" smtClean="0"/>
+              <a:t>Module 5</a:t>
+            </a:r>
+            <a:endParaRPr lang="en-US" dirty="0"/>
           </a:p>
         </p:txBody>
       </p:sp>
@@ -5032,12 +4026,7 @@
             <p:ph idx="1"/>
           </p:nvPr>
         </p:nvSpPr>
-        <p:spPr>
-          <a:xfrm>
-            <a:off x="838200" y="1690688"/>
-            <a:ext cx="10515600" cy="4607081"/>
-          </a:xfrm>
-        </p:spPr>
+        <p:spPr/>
         <p:txBody>
           <a:bodyPr/>
           <a:lstStyle/>
@@ -5045,6 +4034,35 @@
             <a:pPr>
               <a:buNone/>
             </a:pPr>
+            <a:r>
+              <a:rPr lang="en-US" dirty="0" smtClean="0"/>
+              <a:t>Input </a:t>
+            </a:r>
+            <a:r>
+              <a:rPr lang="en-US" dirty="0" smtClean="0"/>
+              <a:t>: IDB,MS2,MAC(MS2||</a:t>
+            </a:r>
+            <a:r>
+              <a:rPr lang="en-US" dirty="0" err="1" smtClean="0"/>
+              <a:t>Rj</a:t>
+            </a:r>
+            <a:r>
+              <a:rPr lang="en-US" dirty="0" smtClean="0"/>
+              <a:t>||NB)</a:t>
+            </a:r>
+          </a:p>
+          <a:p>
+            <a:pPr>
+              <a:buNone/>
+            </a:pPr>
+            <a:r>
+              <a:rPr lang="en-US" dirty="0" smtClean="0"/>
+              <a:t>Process :Obtain NB and Rj+1 using </a:t>
+            </a:r>
+            <a:r>
+              <a:rPr lang="en-US" dirty="0" err="1" smtClean="0"/>
+              <a:t>Rj</a:t>
+            </a:r>
             <a:endParaRPr lang="en-US" dirty="0" smtClean="0"/>
           </a:p>
           <a:p>
@@ -5053,55 +4071,11 @@
             </a:pPr>
             <a:r>
               <a:rPr lang="en-US" dirty="0" smtClean="0"/>
-              <a:t>Input : </a:t>
-            </a:r>
-            <a:r>
-              <a:rPr lang="en-US" dirty="0"/>
-              <a:t>ID</a:t>
-            </a:r>
-            <a:r>
-              <a:rPr lang="en-US" baseline="-25000" dirty="0"/>
-              <a:t>B</a:t>
-            </a:r>
-            <a:r>
-              <a:rPr lang="en-US" dirty="0"/>
-              <a:t>,M</a:t>
-            </a:r>
-            <a:r>
-              <a:rPr lang="en-US" baseline="-25000" dirty="0"/>
-              <a:t>S2</a:t>
-            </a:r>
-            <a:r>
-              <a:rPr lang="en-US" dirty="0"/>
-              <a:t>,MAC(M</a:t>
-            </a:r>
-            <a:r>
-              <a:rPr lang="en-US" baseline="-25000" dirty="0"/>
-              <a:t>S2</a:t>
-            </a:r>
-            <a:r>
-              <a:rPr lang="en-US" dirty="0"/>
-              <a:t>||</a:t>
-            </a:r>
-            <a:r>
-              <a:rPr lang="en-US" dirty="0" err="1"/>
-              <a:t>R</a:t>
-            </a:r>
-            <a:r>
-              <a:rPr lang="en-US" baseline="30000" dirty="0" err="1"/>
-              <a:t>j</a:t>
-            </a:r>
-            <a:r>
-              <a:rPr lang="en-US" dirty="0"/>
-              <a:t>||N</a:t>
-            </a:r>
-            <a:r>
-              <a:rPr lang="en-US" baseline="-25000" dirty="0"/>
-              <a:t>B</a:t>
-            </a:r>
-            <a:r>
-              <a:rPr lang="en-US" dirty="0"/>
-              <a:t>)</a:t>
+              <a:t> </a:t>
+            </a:r>
+            <a:r>
+              <a:rPr lang="en-US" dirty="0" smtClean="0"/>
+              <a:t>               Verify MAC</a:t>
             </a:r>
           </a:p>
           <a:p>
@@ -5110,33 +4084,12 @@
             </a:pPr>
             <a:r>
               <a:rPr lang="en-US" dirty="0" smtClean="0"/>
-              <a:t>Process :Obtain N</a:t>
-            </a:r>
-            <a:r>
-              <a:rPr lang="en-US" baseline="-25000" dirty="0" smtClean="0"/>
-              <a:t>B</a:t>
-            </a:r>
-            <a:r>
-              <a:rPr lang="en-US" dirty="0" smtClean="0"/>
-              <a:t> and R</a:t>
-            </a:r>
-            <a:r>
-              <a:rPr lang="en-US" baseline="30000" dirty="0" smtClean="0"/>
-              <a:t>j+1</a:t>
-            </a:r>
-            <a:r>
-              <a:rPr lang="en-US" dirty="0" smtClean="0"/>
-              <a:t> using </a:t>
-            </a:r>
-            <a:r>
-              <a:rPr lang="en-US" dirty="0" err="1" smtClean="0"/>
-              <a:t>R</a:t>
-            </a:r>
-            <a:r>
-              <a:rPr lang="en-US" baseline="30000" dirty="0" err="1" smtClean="0"/>
-              <a:t>j</a:t>
-            </a:r>
-            <a:endParaRPr lang="en-US" baseline="30000" dirty="0" smtClean="0"/>
+              <a:t> </a:t>
+            </a:r>
+            <a:r>
+              <a:rPr lang="en-US" dirty="0" smtClean="0"/>
+              <a:t>               Cj+1=H(NB||RS2)</a:t>
+            </a:r>
           </a:p>
           <a:p>
             <a:pPr>
@@ -5144,81 +4097,7 @@
             </a:pPr>
             <a:r>
               <a:rPr lang="en-US" dirty="0" smtClean="0"/>
-              <a:t>                Verify MAC</a:t>
-            </a:r>
-          </a:p>
-          <a:p>
-            <a:pPr>
-              <a:buNone/>
-            </a:pPr>
-            <a:r>
-              <a:rPr lang="en-US" dirty="0" smtClean="0"/>
-              <a:t>                C</a:t>
-            </a:r>
-            <a:r>
-              <a:rPr lang="en-US" baseline="30000" dirty="0" smtClean="0"/>
-              <a:t>j+1</a:t>
-            </a:r>
-            <a:r>
-              <a:rPr lang="en-US" dirty="0" smtClean="0"/>
-              <a:t>=H(N</a:t>
-            </a:r>
-            <a:r>
-              <a:rPr lang="en-US" baseline="-25000" dirty="0" smtClean="0"/>
-              <a:t>B</a:t>
-            </a:r>
-            <a:r>
-              <a:rPr lang="en-US" dirty="0" smtClean="0"/>
-              <a:t>||R</a:t>
-            </a:r>
-            <a:r>
-              <a:rPr lang="en-US" baseline="-25000" dirty="0" smtClean="0"/>
-              <a:t>S2</a:t>
-            </a:r>
-            <a:r>
-              <a:rPr lang="en-US" dirty="0" smtClean="0"/>
-              <a:t>)</a:t>
-            </a:r>
-          </a:p>
-          <a:p>
-            <a:pPr>
-              <a:buNone/>
-            </a:pPr>
-            <a:r>
-              <a:rPr lang="en-US" dirty="0" smtClean="0"/>
-              <a:t>Output : MAC(ID</a:t>
-            </a:r>
-            <a:r>
-              <a:rPr lang="en-US" baseline="-25000" dirty="0" smtClean="0"/>
-              <a:t>A</a:t>
-            </a:r>
-            <a:r>
-              <a:rPr lang="en-US" dirty="0" smtClean="0"/>
-              <a:t>||ID</a:t>
-            </a:r>
-            <a:r>
-              <a:rPr lang="en-US" baseline="-25000" dirty="0" smtClean="0"/>
-              <a:t>B</a:t>
-            </a:r>
-            <a:r>
-              <a:rPr lang="en-US" dirty="0" smtClean="0"/>
-              <a:t>||N</a:t>
-            </a:r>
-            <a:r>
-              <a:rPr lang="en-US" baseline="-25000" dirty="0" smtClean="0"/>
-              <a:t>3</a:t>
-            </a:r>
-            <a:r>
-              <a:rPr lang="en-US" dirty="0" smtClean="0"/>
-              <a:t>||R</a:t>
-            </a:r>
-            <a:r>
-              <a:rPr lang="en-US" baseline="-25000" dirty="0" smtClean="0"/>
-              <a:t>S1</a:t>
-            </a:r>
-            <a:r>
-              <a:rPr lang="en-US" dirty="0" smtClean="0"/>
-              <a:t>)</a:t>
+              <a:t>Output : MAC(IDA||IDB||N3||RS1)</a:t>
             </a:r>
             <a:endParaRPr lang="en-US" dirty="0"/>
           </a:p>
@@ -5229,16 +4108,6 @@
   <p:clrMapOvr>
     <a:masterClrMapping/>
   </p:clrMapOvr>
-  <p:transition spd="slow">
-    <p:push dir="u"/>
-  </p:transition>
-  <p:timing>
-    <p:tnLst>
-      <p:par>
-        <p:cTn id="1" dur="indefinite" restart="never" nodeType="tmRoot"/>
-      </p:par>
-    </p:tnLst>
-  </p:timing>
 </p:sld>
 </file>
 
@@ -6358,16 +5227,6 @@
   <p:clrMapOvr>
     <a:masterClrMapping/>
   </p:clrMapOvr>
-  <p:transition spd="med">
-    <p:pull/>
-  </p:transition>
-  <p:timing>
-    <p:tnLst>
-      <p:par>
-        <p:cTn id="1" dur="indefinite" restart="never" nodeType="tmRoot"/>
-      </p:par>
-    </p:tnLst>
-  </p:timing>
 </p:sld>
 </file>
 
@@ -6398,403 +5257,43 @@
             <p:ph type="title"/>
           </p:nvPr>
         </p:nvSpPr>
-        <p:spPr/>
-        <p:txBody>
-          <a:bodyPr/>
-          <a:lstStyle/>
-          <a:p>
-            <a:r>
-              <a:rPr lang="en-US" b="1" dirty="0" smtClean="0"/>
-              <a:t>CONCLUSION:</a:t>
-            </a:r>
-            <a:endParaRPr lang="en-US" b="1" dirty="0"/>
-          </a:p>
-        </p:txBody>
-      </p:sp>
-      <p:sp>
-        <p:nvSpPr>
-          <p:cNvPr id="3" name="Content Placeholder 2"/>
-          <p:cNvSpPr>
-            <a:spLocks noGrp="1"/>
-          </p:cNvSpPr>
-          <p:nvPr>
-            <p:ph idx="1"/>
-          </p:nvPr>
-        </p:nvSpPr>
-        <p:spPr/>
-        <p:txBody>
-          <a:bodyPr/>
-          <a:lstStyle/>
-          <a:p>
-            <a:pPr marL="0" indent="0">
-              <a:buNone/>
-            </a:pPr>
-            <a:r>
-              <a:rPr lang="en-US" dirty="0" smtClean="0"/>
-              <a:t>           The proposed protocols are based on the challenge response mechanism using PUFs and have the unique security feature of not saving any secrets in the </a:t>
-            </a:r>
-            <a:r>
-              <a:rPr lang="en-US" dirty="0" err="1" smtClean="0"/>
-              <a:t>IoT</a:t>
-            </a:r>
-            <a:r>
-              <a:rPr lang="en-US" dirty="0" smtClean="0"/>
-              <a:t> devices, while keeping the storage requirements at the server to the minimum.</a:t>
-            </a:r>
-            <a:endParaRPr lang="en-US" dirty="0"/>
+        <p:spPr>
+          <a:xfrm>
+            <a:off x="4229100" y="1841500"/>
+            <a:ext cx="7275511" cy="3492500"/>
+          </a:xfrm>
+        </p:spPr>
+        <p:txBody>
+          <a:bodyPr>
+            <a:normAutofit/>
+          </a:bodyPr>
+          <a:lstStyle/>
+          <a:p>
+            <a:r>
+              <a:rPr lang="en-IN" sz="6000" dirty="0" smtClean="0"/>
+              <a:t/>
+            </a:r>
+            <a:br>
+              <a:rPr lang="en-IN" sz="6000" dirty="0" smtClean="0"/>
+            </a:br>
+            <a:r>
+              <a:rPr lang="en-IN" sz="6000" dirty="0" smtClean="0"/>
+              <a:t>Thank you</a:t>
+            </a:r>
+            <a:endParaRPr lang="en-IN" sz="6000" dirty="0"/>
           </a:p>
         </p:txBody>
       </p:sp>
     </p:spTree>
     <p:extLst>
       <p:ext uri="{BB962C8B-B14F-4D97-AF65-F5344CB8AC3E}">
-        <p14:creationId xmlns:p14="http://schemas.microsoft.com/office/powerpoint/2010/main" val="1553019291"/>
+        <p14:creationId xmlns:p14="http://schemas.microsoft.com/office/powerpoint/2010/main" xmlns="" val="3500666002"/>
       </p:ext>
     </p:extLst>
   </p:cSld>
   <p:clrMapOvr>
     <a:masterClrMapping/>
   </p:clrMapOvr>
-</p:sld>
-</file>
-
-<file path=ppt/slides/slide17.xml><?xml version="1.0" encoding="utf-8"?>
-<p:sld xmlns:a="http://schemas.openxmlformats.org/drawingml/2006/main" xmlns:r="http://schemas.openxmlformats.org/officeDocument/2006/relationships" xmlns:p="http://schemas.openxmlformats.org/presentationml/2006/main">
-  <p:cSld>
-    <p:spTree>
-      <p:nvGrpSpPr>
-        <p:cNvPr id="1" name=""/>
-        <p:cNvGrpSpPr/>
-        <p:nvPr/>
-      </p:nvGrpSpPr>
-      <p:grpSpPr>
-        <a:xfrm>
-          <a:off x="0" y="0"/>
-          <a:ext cx="0" cy="0"/>
-          <a:chOff x="0" y="0"/>
-          <a:chExt cx="0" cy="0"/>
-        </a:xfrm>
-      </p:grpSpPr>
-      <p:sp>
-        <p:nvSpPr>
-          <p:cNvPr id="2" name="Title 1"/>
-          <p:cNvSpPr>
-            <a:spLocks noGrp="1"/>
-          </p:cNvSpPr>
-          <p:nvPr>
-            <p:ph type="title"/>
-          </p:nvPr>
-        </p:nvSpPr>
-        <p:spPr/>
-        <p:txBody>
-          <a:bodyPr/>
-          <a:lstStyle/>
-          <a:p>
-            <a:r>
-              <a:rPr lang="en-US" b="1" dirty="0" smtClean="0"/>
-              <a:t>REFERENCES:</a:t>
-            </a:r>
-            <a:endParaRPr lang="en-US" b="1" dirty="0"/>
-          </a:p>
-        </p:txBody>
-      </p:sp>
-      <p:sp>
-        <p:nvSpPr>
-          <p:cNvPr id="3" name="Content Placeholder 2"/>
-          <p:cNvSpPr>
-            <a:spLocks noGrp="1"/>
-          </p:cNvSpPr>
-          <p:nvPr>
-            <p:ph idx="1"/>
-          </p:nvPr>
-        </p:nvSpPr>
-        <p:spPr/>
-        <p:txBody>
-          <a:bodyPr>
-            <a:normAutofit/>
-          </a:bodyPr>
-          <a:lstStyle/>
-          <a:p>
-            <a:r>
-              <a:rPr lang="en-US" sz="2400" dirty="0"/>
-              <a:t>P. N. </a:t>
-            </a:r>
-            <a:r>
-              <a:rPr lang="en-US" sz="2400" dirty="0" err="1"/>
-              <a:t>Mahalle</a:t>
-            </a:r>
-            <a:r>
-              <a:rPr lang="en-US" sz="2400" dirty="0"/>
-              <a:t>, N. R. Prasad, and R. Prasad, “Threshold </a:t>
-            </a:r>
-            <a:r>
-              <a:rPr lang="en-US" sz="2400" dirty="0" smtClean="0"/>
-              <a:t>Cryptography based </a:t>
-            </a:r>
-            <a:r>
-              <a:rPr lang="en-US" sz="2400" dirty="0"/>
-              <a:t>Group Authentication (TCGA) Scheme for the Internet of Things (</a:t>
-            </a:r>
-            <a:r>
-              <a:rPr lang="en-US" sz="2400" dirty="0" err="1"/>
-              <a:t>IoT</a:t>
-            </a:r>
-            <a:r>
-              <a:rPr lang="en-US" sz="2400" dirty="0"/>
-              <a:t>),” Proceedings of IEEE VITAE, pp. 1-5, Aalborg, Denmark, May 2014</a:t>
-            </a:r>
-            <a:r>
-              <a:rPr lang="en-US" sz="2400" dirty="0" smtClean="0"/>
-              <a:t>.</a:t>
-            </a:r>
-          </a:p>
-          <a:p>
-            <a:r>
-              <a:rPr lang="en-US" sz="2400" dirty="0" err="1"/>
-              <a:t>Shivraj</a:t>
-            </a:r>
-            <a:r>
-              <a:rPr lang="en-US" sz="2400" dirty="0"/>
-              <a:t>, V.L., </a:t>
-            </a:r>
-            <a:r>
-              <a:rPr lang="en-US" sz="2400" dirty="0" err="1"/>
-              <a:t>Rajan</a:t>
-            </a:r>
-            <a:r>
-              <a:rPr lang="en-US" sz="2400" dirty="0"/>
-              <a:t>, M.A., Singh, M., and </a:t>
-            </a:r>
-            <a:r>
-              <a:rPr lang="en-US" sz="2400" dirty="0" err="1"/>
-              <a:t>Balamuralidhar</a:t>
-            </a:r>
-            <a:r>
-              <a:rPr lang="en-US" sz="2400" dirty="0"/>
-              <a:t>, P., “One time password authentication scheme based on elliptic curves for Internet of Things (</a:t>
-            </a:r>
-            <a:r>
-              <a:rPr lang="en-US" sz="2400" dirty="0" err="1"/>
-              <a:t>IoT</a:t>
-            </a:r>
-            <a:r>
-              <a:rPr lang="en-US" sz="2400" dirty="0"/>
-              <a:t>),” Proceedings of National Symposium on Information Technology: Towards New Smart World (NSITNSW), pp.1-6, Riyadh, KSA, February 2015</a:t>
-            </a:r>
-            <a:r>
-              <a:rPr lang="en-US" sz="2400" dirty="0" smtClean="0"/>
-              <a:t>.</a:t>
-            </a:r>
-          </a:p>
-          <a:p>
-            <a:r>
-              <a:rPr lang="en-US" sz="2400" dirty="0"/>
-              <a:t>K. </a:t>
-            </a:r>
-            <a:r>
-              <a:rPr lang="en-US" sz="2400" dirty="0" err="1"/>
-              <a:t>Frikken</a:t>
-            </a:r>
-            <a:r>
-              <a:rPr lang="en-US" sz="2400" dirty="0"/>
-              <a:t> et. al., “Robust Authentication Using Physically </a:t>
-            </a:r>
-            <a:r>
-              <a:rPr lang="en-US" sz="2400" dirty="0" err="1"/>
-              <a:t>Unclonable</a:t>
-            </a:r>
-            <a:r>
-              <a:rPr lang="en-US" sz="2400" dirty="0"/>
-              <a:t> Functions”, In: P. </a:t>
-            </a:r>
-            <a:r>
-              <a:rPr lang="en-US" sz="2400" dirty="0" err="1"/>
-              <a:t>Samarati</a:t>
-            </a:r>
-            <a:r>
-              <a:rPr lang="en-US" sz="2400" dirty="0"/>
-              <a:t> et al. (eds.): ISC 2009, LNCS 5735, pp. 262-277, Springer, Heidelberg 2009</a:t>
-            </a:r>
-          </a:p>
-        </p:txBody>
-      </p:sp>
-    </p:spTree>
-    <p:extLst>
-      <p:ext uri="{BB962C8B-B14F-4D97-AF65-F5344CB8AC3E}">
-        <p14:creationId xmlns:p14="http://schemas.microsoft.com/office/powerpoint/2010/main" val="1774261786"/>
-      </p:ext>
-    </p:extLst>
-  </p:cSld>
-  <p:clrMapOvr>
-    <a:masterClrMapping/>
-  </p:clrMapOvr>
-</p:sld>
-</file>
-
-<file path=ppt/slides/slide18.xml><?xml version="1.0" encoding="utf-8"?>
-<p:sld xmlns:a="http://schemas.openxmlformats.org/drawingml/2006/main" xmlns:r="http://schemas.openxmlformats.org/officeDocument/2006/relationships" xmlns:p="http://schemas.openxmlformats.org/presentationml/2006/main">
-  <p:cSld>
-    <p:spTree>
-      <p:nvGrpSpPr>
-        <p:cNvPr id="1" name=""/>
-        <p:cNvGrpSpPr/>
-        <p:nvPr/>
-      </p:nvGrpSpPr>
-      <p:grpSpPr>
-        <a:xfrm>
-          <a:off x="0" y="0"/>
-          <a:ext cx="0" cy="0"/>
-          <a:chOff x="0" y="0"/>
-          <a:chExt cx="0" cy="0"/>
-        </a:xfrm>
-      </p:grpSpPr>
-      <p:sp>
-        <p:nvSpPr>
-          <p:cNvPr id="2" name="Title 1"/>
-          <p:cNvSpPr>
-            <a:spLocks noGrp="1"/>
-          </p:cNvSpPr>
-          <p:nvPr>
-            <p:ph type="title"/>
-          </p:nvPr>
-        </p:nvSpPr>
-        <p:spPr>
-          <a:xfrm flipV="1">
-            <a:off x="838200" y="319406"/>
-            <a:ext cx="9670961" cy="45719"/>
-          </a:xfrm>
-        </p:spPr>
-        <p:txBody>
-          <a:bodyPr>
-            <a:normAutofit fontScale="90000"/>
-          </a:bodyPr>
-          <a:lstStyle/>
-          <a:p>
-            <a:endParaRPr lang="en-US" dirty="0"/>
-          </a:p>
-        </p:txBody>
-      </p:sp>
-      <p:pic>
-        <p:nvPicPr>
-          <p:cNvPr id="4" name="Content Placeholder 3"/>
-          <p:cNvPicPr>
-            <a:picLocks noGrp="1" noChangeAspect="1"/>
-          </p:cNvPicPr>
-          <p:nvPr>
-            <p:ph idx="1"/>
-          </p:nvPr>
-        </p:nvPicPr>
-        <p:blipFill>
-          <a:blip r:embed="rId2">
-            <a:extLst>
-              <a:ext uri="{28A0092B-C50C-407E-A947-70E740481C1C}">
-                <a14:useLocalDpi xmlns:a14="http://schemas.microsoft.com/office/drawing/2010/main" val="0"/>
-              </a:ext>
-            </a:extLst>
-          </a:blip>
-          <a:stretch>
-            <a:fillRect/>
-          </a:stretch>
-        </p:blipFill>
-        <p:spPr>
-          <a:xfrm>
-            <a:off x="1660429" y="1159098"/>
-            <a:ext cx="9209340" cy="5009881"/>
-          </a:xfrm>
-        </p:spPr>
-      </p:pic>
-    </p:spTree>
-    <p:extLst>
-      <p:ext uri="{BB962C8B-B14F-4D97-AF65-F5344CB8AC3E}">
-        <p14:creationId xmlns:p14="http://schemas.microsoft.com/office/powerpoint/2010/main" val="2042343145"/>
-      </p:ext>
-    </p:extLst>
-  </p:cSld>
-  <p:clrMapOvr>
-    <a:masterClrMapping/>
-  </p:clrMapOvr>
-  <p:transition spd="slow">
-    <p:wipe/>
-  </p:transition>
-  <p:timing>
-    <p:tnLst>
-      <p:par>
-        <p:cTn id="1" dur="indefinite" restart="never" nodeType="tmRoot"/>
-      </p:par>
-    </p:tnLst>
-  </p:timing>
-</p:sld>
-</file>
-
-<file path=ppt/slides/slide19.xml><?xml version="1.0" encoding="utf-8"?>
-<p:sld xmlns:a="http://schemas.openxmlformats.org/drawingml/2006/main" xmlns:r="http://schemas.openxmlformats.org/officeDocument/2006/relationships" xmlns:p="http://schemas.openxmlformats.org/presentationml/2006/main">
-  <p:cSld>
-    <p:spTree>
-      <p:nvGrpSpPr>
-        <p:cNvPr id="1" name=""/>
-        <p:cNvGrpSpPr/>
-        <p:nvPr/>
-      </p:nvGrpSpPr>
-      <p:grpSpPr>
-        <a:xfrm>
-          <a:off x="0" y="0"/>
-          <a:ext cx="0" cy="0"/>
-          <a:chOff x="0" y="0"/>
-          <a:chExt cx="0" cy="0"/>
-        </a:xfrm>
-      </p:grpSpPr>
-      <p:sp>
-        <p:nvSpPr>
-          <p:cNvPr id="2" name="Title 1"/>
-          <p:cNvSpPr>
-            <a:spLocks noGrp="1"/>
-          </p:cNvSpPr>
-          <p:nvPr>
-            <p:ph type="title"/>
-          </p:nvPr>
-        </p:nvSpPr>
-        <p:spPr>
-          <a:xfrm>
-            <a:off x="2859110" y="1094704"/>
-            <a:ext cx="7447766" cy="4458237"/>
-          </a:xfrm>
-        </p:spPr>
-        <p:txBody>
-          <a:bodyPr>
-            <a:normAutofit/>
-          </a:bodyPr>
-          <a:lstStyle/>
-          <a:p>
-            <a:r>
-              <a:rPr lang="en-IN" sz="8800" b="1" dirty="0" smtClean="0"/>
-              <a:t>Thank you!!</a:t>
-            </a:r>
-            <a:endParaRPr lang="en-IN" sz="8800" b="1" dirty="0"/>
-          </a:p>
-        </p:txBody>
-      </p:sp>
-    </p:spTree>
-    <p:extLst>
-      <p:ext uri="{BB962C8B-B14F-4D97-AF65-F5344CB8AC3E}">
-        <p14:creationId xmlns:p14="http://schemas.microsoft.com/office/powerpoint/2010/main" val="3500666002"/>
-      </p:ext>
-    </p:extLst>
-  </p:cSld>
-  <p:clrMapOvr>
-    <a:masterClrMapping/>
-  </p:clrMapOvr>
-  <mc:AlternateContent xmlns:mc="http://schemas.openxmlformats.org/markup-compatibility/2006" xmlns:p14="http://schemas.microsoft.com/office/powerpoint/2010/main">
-    <mc:Choice Requires="p14">
-      <p:transition spd="slow" p14:dur="800">
-        <p:circle/>
-      </p:transition>
-    </mc:Choice>
-    <mc:Fallback xmlns="">
-      <p:transition spd="slow">
-        <p:circle/>
-      </p:transition>
-    </mc:Fallback>
-  </mc:AlternateContent>
   <p:timing>
     <p:tnLst>
       <p:par>
@@ -6832,23 +5331,16 @@
             <p:ph type="title"/>
           </p:nvPr>
         </p:nvSpPr>
-        <p:spPr>
-          <a:xfrm>
-            <a:off x="767365" y="339368"/>
-            <a:ext cx="10515600" cy="665184"/>
-          </a:xfrm>
-        </p:spPr>
-        <p:txBody>
-          <a:bodyPr>
-            <a:normAutofit fontScale="90000"/>
-          </a:bodyPr>
-          <a:lstStyle/>
-          <a:p>
-            <a:r>
-              <a:rPr lang="en-US" b="1" dirty="0" smtClean="0"/>
-              <a:t>LITERATURE SURVEY</a:t>
-            </a:r>
-            <a:endParaRPr lang="en-US" b="1" dirty="0"/>
+        <p:spPr/>
+        <p:txBody>
+          <a:bodyPr/>
+          <a:lstStyle/>
+          <a:p>
+            <a:r>
+              <a:rPr lang="en-US" dirty="0" smtClean="0"/>
+              <a:t>PROBLEM IDENTIFICATION</a:t>
+            </a:r>
+            <a:endParaRPr lang="en-US" dirty="0"/>
           </a:p>
         </p:txBody>
       </p:sp>
@@ -6862,25 +5354,10 @@
             <p:ph idx="1"/>
           </p:nvPr>
         </p:nvSpPr>
-        <p:spPr>
-          <a:xfrm>
-            <a:off x="739461" y="1326524"/>
-            <a:ext cx="10562823" cy="4850439"/>
-          </a:xfrm>
-        </p:spPr>
+        <p:spPr/>
         <p:txBody>
           <a:bodyPr/>
           <a:lstStyle/>
-          <a:p>
-            <a:pPr marL="0" indent="0">
-              <a:buNone/>
-            </a:pPr>
-            <a:r>
-              <a:rPr lang="en-US" b="1" dirty="0" smtClean="0"/>
-              <a:t>Problems identified with the existing systems:</a:t>
-            </a:r>
-            <a:endParaRPr lang="en-US" dirty="0"/>
-          </a:p>
           <a:p>
             <a:r>
               <a:rPr lang="en-US" dirty="0" smtClean="0"/>
@@ -6937,16 +5414,13 @@
     </p:spTree>
     <p:extLst>
       <p:ext uri="{BB962C8B-B14F-4D97-AF65-F5344CB8AC3E}">
-        <p14:creationId xmlns:p14="http://schemas.microsoft.com/office/powerpoint/2010/main" val="371564641"/>
+        <p14:creationId xmlns:p14="http://schemas.microsoft.com/office/powerpoint/2010/main" xmlns="" val="371564641"/>
       </p:ext>
     </p:extLst>
   </p:cSld>
   <p:clrMapOvr>
     <a:masterClrMapping/>
   </p:clrMapOvr>
-  <p:transition spd="slow">
-    <p:push dir="u"/>
-  </p:transition>
   <p:timing>
     <p:tnLst>
       <p:par>
@@ -6995,10 +5469,10 @@
           <a:lstStyle/>
           <a:p>
             <a:r>
-              <a:rPr lang="en-IN" b="1" dirty="0" smtClean="0"/>
-              <a:t>PROPOSED SYSTEM</a:t>
-            </a:r>
-            <a:endParaRPr lang="en-IN" b="1" dirty="0"/>
+              <a:rPr lang="en-IN" dirty="0" smtClean="0"/>
+              <a:t>Solution</a:t>
+            </a:r>
+            <a:endParaRPr lang="en-IN" dirty="0"/>
           </a:p>
         </p:txBody>
       </p:sp>
@@ -7020,13 +5494,13 @@
         </p:spPr>
         <p:txBody>
           <a:bodyPr>
-            <a:normAutofit/>
+            <a:normAutofit lnSpcReduction="10000"/>
           </a:bodyPr>
           <a:lstStyle/>
           <a:p>
             <a:r>
               <a:rPr lang="en-IN" dirty="0" smtClean="0"/>
-              <a:t>CR mapping </a:t>
+              <a:t>Our proposed PUF maps a  set of challenges to a set of responses based on intractably complex physical system.  </a:t>
             </a:r>
           </a:p>
           <a:p>
@@ -7052,15 +5526,7 @@
             </a:r>
             <a:r>
               <a:rPr lang="en-IN" dirty="0" smtClean="0"/>
-              <a:t>          R </a:t>
-            </a:r>
-            <a:r>
-              <a:rPr lang="en-IN" dirty="0"/>
-              <a:t>-</a:t>
-            </a:r>
-            <a:r>
-              <a:rPr lang="en-IN" dirty="0" smtClean="0"/>
-              <a:t>response of a PUF</a:t>
+              <a:t>          R is the response of a PUF</a:t>
             </a:r>
           </a:p>
           <a:p>
@@ -7073,21 +5539,13 @@
             </a:r>
             <a:r>
               <a:rPr lang="en-IN" dirty="0" smtClean="0"/>
-              <a:t>          C </a:t>
-            </a:r>
-            <a:r>
-              <a:rPr lang="en-IN" dirty="0"/>
-              <a:t>-</a:t>
-            </a:r>
+              <a:t>          C is the challenge given to the PUF</a:t>
+            </a:r>
+          </a:p>
+          <a:p>
             <a:r>
               <a:rPr lang="en-IN" dirty="0" smtClean="0"/>
-              <a:t>challenge given to the PUF</a:t>
-            </a:r>
-          </a:p>
-          <a:p>
-            <a:r>
-              <a:rPr lang="en-IN" dirty="0" smtClean="0"/>
-              <a:t>C and R from a PUF is called a challenge response pair.</a:t>
+              <a:t>Challenge C and its response R from a PUF is called a challenge response pair.</a:t>
             </a:r>
           </a:p>
           <a:p>
@@ -7102,16 +5560,13 @@
     </p:spTree>
     <p:extLst>
       <p:ext uri="{BB962C8B-B14F-4D97-AF65-F5344CB8AC3E}">
-        <p14:creationId xmlns:p14="http://schemas.microsoft.com/office/powerpoint/2010/main" val="2901054533"/>
+        <p14:creationId xmlns:p14="http://schemas.microsoft.com/office/powerpoint/2010/main" xmlns="" val="2901054533"/>
       </p:ext>
     </p:extLst>
   </p:cSld>
   <p:clrMapOvr>
     <a:masterClrMapping/>
   </p:clrMapOvr>
-  <p:transition spd="slow">
-    <p:wipe/>
-  </p:transition>
   <p:timing>
     <p:tnLst>
       <p:par>
@@ -7174,31 +5629,31 @@
         </p:nvSpPr>
         <p:spPr>
           <a:xfrm>
-            <a:off x="2511380" y="1447799"/>
-            <a:ext cx="8993232" cy="3111321"/>
+            <a:off x="2489200" y="1447800"/>
+            <a:ext cx="9015412" cy="3073400"/>
           </a:xfrm>
         </p:spPr>
         <p:txBody>
           <a:bodyPr>
-            <a:normAutofit/>
+            <a:normAutofit fontScale="92500"/>
           </a:bodyPr>
           <a:lstStyle/>
           <a:p>
             <a:r>
               <a:rPr lang="en-IN" dirty="0" smtClean="0"/>
-              <a:t>Exchanging initial CRP by inputting a password using TOTP approach.</a:t>
+              <a:t>When an IOT device is deployed in the field for the first time, an operator inputs a password into the device to exchange the initial CRP with the server using the TOTP approach.</a:t>
             </a:r>
           </a:p>
           <a:p>
             <a:r>
               <a:rPr lang="en-IN" dirty="0" smtClean="0"/>
-              <a:t>After that the IOT device can function independently without the need for any operator.</a:t>
+              <a:t>Once the initial CRP is exchanged with the server, the IOT device can function independently without the need for any operator.</a:t>
             </a:r>
           </a:p>
           <a:p>
             <a:r>
               <a:rPr lang="en-IN" dirty="0" smtClean="0"/>
-              <a:t>Thus, the server stores the IDA, and the CRP(</a:t>
+              <a:t>Thus, the server stores the  identity IDA, and the CRP(</a:t>
             </a:r>
             <a:r>
               <a:rPr lang="en-IN" dirty="0" err="1" smtClean="0"/>
@@ -7215,16 +5670,13 @@
     </p:spTree>
     <p:extLst>
       <p:ext uri="{BB962C8B-B14F-4D97-AF65-F5344CB8AC3E}">
-        <p14:creationId xmlns:p14="http://schemas.microsoft.com/office/powerpoint/2010/main" val="3209687437"/>
+        <p14:creationId xmlns:p14="http://schemas.microsoft.com/office/powerpoint/2010/main" xmlns="" val="3209687437"/>
       </p:ext>
     </p:extLst>
   </p:cSld>
   <p:clrMapOvr>
     <a:masterClrMapping/>
   </p:clrMapOvr>
-  <p:transition spd="slow">
-    <p:randomBar dir="vert"/>
-  </p:transition>
   <p:timing>
     <p:tnLst>
       <p:par>
@@ -7264,8 +5716,8 @@
         </p:nvSpPr>
         <p:spPr>
           <a:xfrm>
-            <a:off x="959475" y="159063"/>
-            <a:ext cx="10568189" cy="2300802"/>
+            <a:off x="783771" y="365125"/>
+            <a:ext cx="10570029" cy="1842498"/>
           </a:xfrm>
         </p:spPr>
         <p:txBody>
@@ -7275,10 +5727,10 @@
           <a:lstStyle/>
           <a:p>
             <a:r>
-              <a:rPr lang="en-US" sz="4800" b="1" dirty="0" smtClean="0"/>
-              <a:t>Modes of Communication</a:t>
-            </a:r>
-            <a:endParaRPr lang="en-US" sz="4800" b="1" dirty="0"/>
+              <a:rPr lang="en-US" sz="4800" dirty="0" smtClean="0"/>
+              <a:t>Design Classification</a:t>
+            </a:r>
+            <a:endParaRPr lang="en-US" sz="4800" dirty="0"/>
           </a:p>
         </p:txBody>
       </p:sp>
@@ -7294,8 +5746,8 @@
         </p:nvSpPr>
         <p:spPr>
           <a:xfrm>
-            <a:off x="1133341" y="2859110"/>
-            <a:ext cx="10220458" cy="3317853"/>
+            <a:off x="901338" y="2155371"/>
+            <a:ext cx="10452462" cy="4021592"/>
           </a:xfrm>
         </p:spPr>
         <p:txBody>
@@ -7337,25 +5789,6 @@
   <p:clrMapOvr>
     <a:masterClrMapping/>
   </p:clrMapOvr>
-  <mc:AlternateContent xmlns:mc="http://schemas.openxmlformats.org/markup-compatibility/2006" xmlns:p14="http://schemas.microsoft.com/office/powerpoint/2010/main">
-    <mc:Choice Requires="p14">
-      <p:transition spd="slow" p14:dur="800">
-        <p:circle/>
-      </p:transition>
-    </mc:Choice>
-    <mc:Fallback xmlns="">
-      <p:transition spd="slow">
-        <p:circle/>
-      </p:transition>
-    </mc:Fallback>
-  </mc:AlternateContent>
-  <p:timing>
-    <p:tnLst>
-      <p:par>
-        <p:cTn id="1" dur="indefinite" restart="never" nodeType="tmRoot"/>
-      </p:par>
-    </p:tnLst>
-  </p:timing>
 </p:sld>
 </file>
 
@@ -7392,18 +5825,18 @@
           <a:lstStyle/>
           <a:p>
             <a:r>
-              <a:rPr lang="en-US" b="1" dirty="0" smtClean="0"/>
+              <a:rPr lang="en-US" dirty="0" smtClean="0"/>
               <a:t>Mutual authentication of </a:t>
             </a:r>
             <a:r>
-              <a:rPr lang="en-US" b="1" dirty="0" err="1" smtClean="0"/>
+              <a:rPr lang="en-US" dirty="0" err="1" smtClean="0"/>
               <a:t>IoT</a:t>
             </a:r>
             <a:r>
-              <a:rPr lang="en-US" b="1" dirty="0" smtClean="0"/>
+              <a:rPr lang="en-US" dirty="0" smtClean="0"/>
               <a:t> device and server</a:t>
             </a:r>
-            <a:endParaRPr lang="en-US" b="1" dirty="0"/>
+            <a:endParaRPr lang="en-US" dirty="0"/>
           </a:p>
         </p:txBody>
       </p:sp>
@@ -7426,7 +5859,7 @@
           <a:p>
             <a:r>
               <a:rPr lang="en-US" b="1" dirty="0" smtClean="0"/>
-              <a:t>MODULE 1 (existing CRP retrieval)</a:t>
+              <a:t>MODULE 1</a:t>
             </a:r>
           </a:p>
           <a:p>
@@ -7447,7 +5880,96 @@
             </a:r>
             <a:r>
               <a:rPr lang="en-US" dirty="0" smtClean="0"/>
-              <a:t>,N</a:t>
+              <a:t>,N1</a:t>
+            </a:r>
+            <a:endParaRPr lang="en-US" baseline="-25000" dirty="0" smtClean="0"/>
+          </a:p>
+          <a:p>
+            <a:pPr marL="0" indent="0">
+              <a:buNone/>
+            </a:pPr>
+            <a:r>
+              <a:rPr lang="en-US" dirty="0"/>
+              <a:t> </a:t>
+            </a:r>
+            <a:r>
+              <a:rPr lang="en-US" dirty="0" smtClean="0"/>
+              <a:t>   Process:</a:t>
+            </a:r>
+          </a:p>
+          <a:p>
+            <a:pPr marL="0" indent="0">
+              <a:buNone/>
+            </a:pPr>
+            <a:r>
+              <a:rPr lang="en-US" dirty="0"/>
+              <a:t> </a:t>
+            </a:r>
+            <a:r>
+              <a:rPr lang="en-US" dirty="0" smtClean="0"/>
+              <a:t>            Find </a:t>
+            </a:r>
+            <a:r>
+              <a:rPr lang="en-US" dirty="0" smtClean="0"/>
+              <a:t>ID</a:t>
+            </a:r>
+            <a:r>
+              <a:rPr lang="en-US" baseline="-25000" dirty="0" smtClean="0"/>
+              <a:t>A</a:t>
+            </a:r>
+            <a:r>
+              <a:rPr lang="en-US" dirty="0" smtClean="0"/>
+              <a:t> </a:t>
+            </a:r>
+            <a:r>
+              <a:rPr lang="en-US" dirty="0" smtClean="0"/>
+              <a:t>in Memory</a:t>
+            </a:r>
+          </a:p>
+          <a:p>
+            <a:pPr marL="0" indent="0">
+              <a:buNone/>
+            </a:pPr>
+            <a:r>
+              <a:rPr lang="en-US" dirty="0"/>
+              <a:t> </a:t>
+            </a:r>
+            <a:r>
+              <a:rPr lang="en-US" dirty="0" smtClean="0"/>
+              <a:t>            Read CRP(</a:t>
+            </a:r>
+            <a:r>
+              <a:rPr lang="en-US" dirty="0" err="1" smtClean="0"/>
+              <a:t>C</a:t>
+            </a:r>
+            <a:r>
+              <a:rPr lang="en-US" baseline="-25000" dirty="0" err="1" smtClean="0"/>
+              <a:t>i</a:t>
+            </a:r>
+            <a:r>
+              <a:rPr lang="en-US" dirty="0" err="1" smtClean="0"/>
+              <a:t>,R</a:t>
+            </a:r>
+            <a:r>
+              <a:rPr lang="en-US" baseline="-25000" dirty="0" err="1" smtClean="0"/>
+              <a:t>i</a:t>
+            </a:r>
+            <a:r>
+              <a:rPr lang="en-US" dirty="0" smtClean="0"/>
+              <a:t>)</a:t>
+            </a:r>
+          </a:p>
+          <a:p>
+            <a:pPr marL="0" indent="0">
+              <a:buNone/>
+            </a:pPr>
+            <a:r>
+              <a:rPr lang="en-US" dirty="0"/>
+              <a:t> </a:t>
+            </a:r>
+            <a:r>
+              <a:rPr lang="en-US" dirty="0" smtClean="0"/>
+              <a:t>            Generate RS</a:t>
             </a:r>
             <a:r>
               <a:rPr lang="en-US" baseline="-25000" dirty="0" smtClean="0"/>
@@ -7464,8 +5986,45 @@
             </a:r>
             <a:r>
               <a:rPr lang="en-US" dirty="0" smtClean="0"/>
-              <a:t>   Process:</a:t>
-            </a:r>
+              <a:t>            Ma={</a:t>
+            </a:r>
+            <a:r>
+              <a:rPr lang="en-US" dirty="0" smtClean="0"/>
+              <a:t>ID</a:t>
+            </a:r>
+            <a:r>
+              <a:rPr lang="en-US" baseline="-25000" dirty="0" smtClean="0"/>
+              <a:t>A</a:t>
+            </a:r>
+            <a:r>
+              <a:rPr lang="en-US" dirty="0" smtClean="0"/>
+              <a:t>,N</a:t>
+            </a:r>
+            <a:r>
+              <a:rPr lang="en-US" baseline="-25000" dirty="0" smtClean="0"/>
+              <a:t>1</a:t>
+            </a:r>
+            <a:r>
+              <a:rPr lang="en-US" dirty="0" smtClean="0"/>
+              <a:t>,Rs</a:t>
+            </a:r>
+            <a:r>
+              <a:rPr lang="en-US" baseline="-25000" dirty="0" smtClean="0"/>
+              <a:t>1</a:t>
+            </a:r>
+            <a:r>
+              <a:rPr lang="en-US" dirty="0" smtClean="0"/>
+              <a:t>}</a:t>
+            </a:r>
+            <a:r>
+              <a:rPr lang="en-US" dirty="0" err="1" smtClean="0"/>
+              <a:t>R</a:t>
+            </a:r>
+            <a:r>
+              <a:rPr lang="en-US" baseline="-25000" dirty="0" err="1" smtClean="0"/>
+              <a:t>i</a:t>
+            </a:r>
+            <a:endParaRPr lang="en-US" baseline="-25000" dirty="0" smtClean="0"/>
           </a:p>
           <a:p>
             <a:pPr marL="0" indent="0">
@@ -7477,139 +6036,14 @@
             </a:r>
             <a:r>
               <a:rPr lang="en-US" dirty="0" smtClean="0"/>
-              <a:t>            Find ID</a:t>
-            </a:r>
-            <a:r>
-              <a:rPr lang="en-US" baseline="-25000" dirty="0" smtClean="0"/>
-              <a:t>A</a:t>
-            </a:r>
-            <a:r>
-              <a:rPr lang="en-US" dirty="0" smtClean="0"/>
-              <a:t> in Memory</a:t>
-            </a:r>
-          </a:p>
-          <a:p>
-            <a:pPr marL="0" indent="0">
-              <a:buNone/>
-            </a:pPr>
-            <a:r>
-              <a:rPr lang="en-US" dirty="0"/>
-              <a:t> </a:t>
-            </a:r>
-            <a:r>
-              <a:rPr lang="en-US" dirty="0" smtClean="0"/>
-              <a:t>            Read CRP(</a:t>
+              <a:t>   Output: </a:t>
             </a:r>
             <a:r>
               <a:rPr lang="en-US" dirty="0" err="1" smtClean="0"/>
               <a:t>C</a:t>
             </a:r>
             <a:r>
-              <a:rPr lang="en-US" baseline="30000" dirty="0" err="1" smtClean="0"/>
-              <a:t>i</a:t>
-            </a:r>
-            <a:r>
-              <a:rPr lang="en-US" dirty="0" err="1" smtClean="0"/>
-              <a:t>,R</a:t>
-            </a:r>
-            <a:r>
-              <a:rPr lang="en-US" baseline="30000" dirty="0" err="1" smtClean="0"/>
-              <a:t>i</a:t>
-            </a:r>
-            <a:r>
-              <a:rPr lang="en-US" dirty="0" smtClean="0"/>
-              <a:t>)</a:t>
-            </a:r>
-          </a:p>
-          <a:p>
-            <a:pPr marL="0" indent="0">
-              <a:buNone/>
-            </a:pPr>
-            <a:r>
-              <a:rPr lang="en-US" dirty="0"/>
-              <a:t> </a:t>
-            </a:r>
-            <a:r>
-              <a:rPr lang="en-US" dirty="0" smtClean="0"/>
-              <a:t>            Generate RS</a:t>
-            </a:r>
-            <a:r>
-              <a:rPr lang="en-US" baseline="-25000" dirty="0" smtClean="0"/>
-              <a:t>1</a:t>
-            </a:r>
-          </a:p>
-          <a:p>
-            <a:pPr marL="0" indent="0">
-              <a:buNone/>
-            </a:pPr>
-            <a:r>
-              <a:rPr lang="en-US" dirty="0"/>
-              <a:t> </a:t>
-            </a:r>
-            <a:r>
-              <a:rPr lang="en-US" dirty="0" smtClean="0"/>
-              <a:t>            M</a:t>
-            </a:r>
-            <a:r>
-              <a:rPr lang="en-US" baseline="-25000" dirty="0" smtClean="0"/>
-              <a:t>A</a:t>
-            </a:r>
-            <a:r>
-              <a:rPr lang="en-US" dirty="0" smtClean="0"/>
-              <a:t>={ID</a:t>
-            </a:r>
-            <a:r>
-              <a:rPr lang="en-US" baseline="-25000" dirty="0" smtClean="0"/>
-              <a:t>A</a:t>
-            </a:r>
-            <a:r>
-              <a:rPr lang="en-US" dirty="0" smtClean="0"/>
-              <a:t>,N</a:t>
-            </a:r>
-            <a:r>
-              <a:rPr lang="en-US" baseline="-25000" dirty="0" smtClean="0"/>
-              <a:t>1</a:t>
-            </a:r>
-            <a:r>
-              <a:rPr lang="en-US" dirty="0" smtClean="0"/>
-              <a:t>,Rs</a:t>
-            </a:r>
-            <a:r>
-              <a:rPr lang="en-US" baseline="-25000" dirty="0" smtClean="0"/>
-              <a:t>1</a:t>
-            </a:r>
-            <a:r>
-              <a:rPr lang="en-US" dirty="0" smtClean="0"/>
-              <a:t>}</a:t>
-            </a:r>
-            <a:r>
               <a:rPr lang="en-US" baseline="-25000" dirty="0" err="1" smtClean="0"/>
-              <a:t>R</a:t>
-            </a:r>
-            <a:r>
-              <a:rPr lang="en-US" baseline="30000" dirty="0" err="1" smtClean="0"/>
-              <a:t>i</a:t>
-            </a:r>
-            <a:endParaRPr lang="en-US" baseline="-25000" dirty="0" smtClean="0"/>
-          </a:p>
-          <a:p>
-            <a:pPr marL="0" indent="0">
-              <a:buNone/>
-            </a:pPr>
-            <a:r>
-              <a:rPr lang="en-US" dirty="0"/>
-              <a:t> </a:t>
-            </a:r>
-            <a:r>
-              <a:rPr lang="en-US" dirty="0" smtClean="0"/>
-              <a:t>   Output: </a:t>
-            </a:r>
-            <a:r>
-              <a:rPr lang="en-US" dirty="0" err="1" smtClean="0"/>
-              <a:t>C</a:t>
-            </a:r>
-            <a:r>
-              <a:rPr lang="en-US" baseline="30000" dirty="0" err="1" smtClean="0"/>
               <a:t>i</a:t>
             </a:r>
             <a:r>
@@ -7629,8 +6063,8 @@
               <a:t>(M</a:t>
             </a:r>
             <a:r>
-              <a:rPr lang="en-US" baseline="-25000" dirty="0"/>
-              <a:t>A</a:t>
+              <a:rPr lang="en-US" baseline="-25000" dirty="0" smtClean="0"/>
+              <a:t>a</a:t>
             </a:r>
             <a:r>
               <a:rPr lang="en-US" dirty="0" smtClean="0"/>
@@ -7641,7 +6075,7 @@
               <a:t>R</a:t>
             </a:r>
             <a:r>
-              <a:rPr lang="en-US" baseline="30000" dirty="0" err="1" smtClean="0"/>
+              <a:rPr lang="en-US" baseline="-25000" dirty="0" err="1" smtClean="0"/>
               <a:t>i</a:t>
             </a:r>
             <a:r>
@@ -7668,16 +6102,13 @@
     </p:spTree>
     <p:extLst>
       <p:ext uri="{BB962C8B-B14F-4D97-AF65-F5344CB8AC3E}">
-        <p14:creationId xmlns:p14="http://schemas.microsoft.com/office/powerpoint/2010/main" val="1287662551"/>
+        <p14:creationId xmlns:p14="http://schemas.microsoft.com/office/powerpoint/2010/main" xmlns="" val="1287662551"/>
       </p:ext>
     </p:extLst>
   </p:cSld>
   <p:clrMapOvr>
     <a:masterClrMapping/>
   </p:clrMapOvr>
-  <p:transition spd="slow">
-    <p:wheel spokes="1"/>
-  </p:transition>
   <p:timing>
     <p:tnLst>
       <p:par>
@@ -7721,10 +6152,10 @@
           <a:lstStyle/>
           <a:p>
             <a:r>
-              <a:rPr lang="en-US" b="1" dirty="0" smtClean="0"/>
-              <a:t>Module 2 ( new CRP creation)</a:t>
-            </a:r>
-            <a:endParaRPr lang="en-US" b="1" dirty="0"/>
+              <a:rPr lang="en-US" dirty="0" smtClean="0"/>
+              <a:t>Module 2</a:t>
+            </a:r>
+            <a:endParaRPr lang="en-US" dirty="0"/>
           </a:p>
         </p:txBody>
       </p:sp>
@@ -7754,57 +6185,55 @@
             </a:r>
             <a:r>
               <a:rPr lang="en-US" dirty="0" err="1" smtClean="0"/>
-              <a:t>C</a:t>
-            </a:r>
-            <a:r>
-              <a:rPr lang="en-US" baseline="30000" dirty="0" err="1" smtClean="0"/>
-              <a:t>i</a:t>
+              <a:t>Ci,Ma,MAC</a:t>
+            </a:r>
+            <a:r>
+              <a:rPr lang="en-US" dirty="0" smtClean="0"/>
+              <a:t>(Ma||</a:t>
             </a:r>
             <a:r>
               <a:rPr lang="en-US" dirty="0" err="1" smtClean="0"/>
-              <a:t>,M</a:t>
-            </a:r>
-            <a:r>
-              <a:rPr lang="en-US" baseline="-25000" dirty="0" err="1" smtClean="0"/>
-              <a:t>A</a:t>
+              <a:t>Ri</a:t>
+            </a:r>
+            <a:r>
+              <a:rPr lang="en-US" dirty="0" smtClean="0"/>
+              <a:t>||Rs1)</a:t>
+            </a:r>
+            <a:endParaRPr lang="en-US" baseline="-25000" dirty="0" smtClean="0"/>
+          </a:p>
+          <a:p>
+            <a:pPr marL="0" indent="0">
+              <a:buNone/>
+            </a:pPr>
+            <a:r>
+              <a:rPr lang="en-US" dirty="0" smtClean="0"/>
+              <a:t>    Process:</a:t>
+            </a:r>
+          </a:p>
+          <a:p>
+            <a:pPr marL="0" indent="0">
+              <a:buNone/>
+            </a:pPr>
+            <a:r>
+              <a:rPr lang="en-US" dirty="0" smtClean="0"/>
+              <a:t>             </a:t>
             </a:r>
             <a:r>
               <a:rPr lang="en-US" dirty="0" err="1" smtClean="0"/>
-              <a:t>,MAC</a:t>
-            </a:r>
-            <a:r>
-              <a:rPr lang="en-US" dirty="0" smtClean="0"/>
-              <a:t>(M</a:t>
-            </a:r>
-            <a:r>
-              <a:rPr lang="en-US" baseline="-25000" dirty="0"/>
-              <a:t>A</a:t>
-            </a:r>
-            <a:r>
-              <a:rPr lang="en-US" dirty="0" smtClean="0"/>
-              <a:t>||</a:t>
+              <a:t>Ri</a:t>
+            </a:r>
+            <a:r>
+              <a:rPr lang="en-US" dirty="0" smtClean="0"/>
+              <a:t>=PA(</a:t>
             </a:r>
             <a:r>
               <a:rPr lang="en-US" dirty="0" err="1" smtClean="0"/>
-              <a:t>R</a:t>
-            </a:r>
-            <a:r>
-              <a:rPr lang="en-US" baseline="30000" dirty="0" err="1" smtClean="0"/>
-              <a:t>i</a:t>
-            </a:r>
-            <a:r>
-              <a:rPr lang="en-US" dirty="0" smtClean="0"/>
-              <a:t>||R</a:t>
-            </a:r>
-            <a:r>
-              <a:rPr lang="en-US" baseline="-25000" dirty="0" smtClean="0"/>
-              <a:t>s1</a:t>
+              <a:t>Ci</a:t>
             </a:r>
             <a:r>
               <a:rPr lang="en-US" dirty="0" smtClean="0"/>
               <a:t>)</a:t>
             </a:r>
-            <a:endParaRPr lang="en-US" baseline="-25000" dirty="0" smtClean="0"/>
           </a:p>
           <a:p>
             <a:pPr marL="0" indent="0">
@@ -7812,7 +6241,23 @@
             </a:pPr>
             <a:r>
               <a:rPr lang="en-US" dirty="0" smtClean="0"/>
-              <a:t>    Process:</a:t>
+              <a:t>            Obtain </a:t>
+            </a:r>
+            <a:r>
+              <a:rPr lang="en-US" dirty="0" err="1" smtClean="0"/>
+              <a:t>Rsi</a:t>
+            </a:r>
+            <a:r>
+              <a:rPr lang="en-US" dirty="0" smtClean="0"/>
+              <a:t> using </a:t>
+            </a:r>
+            <a:r>
+              <a:rPr lang="en-US" dirty="0" err="1" smtClean="0"/>
+              <a:t>Ri</a:t>
+            </a:r>
+            <a:r>
+              <a:rPr lang="en-US" dirty="0" smtClean="0"/>
+              <a:t> and verify MAC</a:t>
             </a:r>
           </a:p>
           <a:p>
@@ -7821,39 +6266,7 @@
             </a:pPr>
             <a:r>
               <a:rPr lang="en-US" dirty="0" smtClean="0"/>
-              <a:t>             </a:t>
-            </a:r>
-            <a:r>
-              <a:rPr lang="en-US" dirty="0" err="1" smtClean="0"/>
-              <a:t>R</a:t>
-            </a:r>
-            <a:r>
-              <a:rPr lang="en-US" baseline="30000" dirty="0" err="1" smtClean="0"/>
-              <a:t>i</a:t>
-            </a:r>
-            <a:r>
-              <a:rPr lang="en-US" dirty="0" smtClean="0"/>
-              <a:t>=P</a:t>
-            </a:r>
-            <a:r>
-              <a:rPr lang="en-US" baseline="-25000" dirty="0" smtClean="0"/>
-              <a:t>A</a:t>
-            </a:r>
-            <a:r>
-              <a:rPr lang="en-US" dirty="0" smtClean="0"/>
-              <a:t>(</a:t>
-            </a:r>
-            <a:r>
-              <a:rPr lang="en-US" dirty="0" err="1" smtClean="0"/>
-              <a:t>C</a:t>
-            </a:r>
-            <a:r>
-              <a:rPr lang="en-US" baseline="30000" dirty="0" err="1" smtClean="0"/>
-              <a:t>i</a:t>
-            </a:r>
-            <a:r>
-              <a:rPr lang="en-US" dirty="0" smtClean="0"/>
-              <a:t>)</a:t>
+              <a:t>             Generate NA</a:t>
             </a:r>
           </a:p>
           <a:p>
@@ -7862,27 +6275,7 @@
             </a:pPr>
             <a:r>
               <a:rPr lang="en-US" dirty="0" smtClean="0"/>
-              <a:t>            Obtain R</a:t>
-            </a:r>
-            <a:r>
-              <a:rPr lang="en-US" baseline="-25000" dirty="0" smtClean="0"/>
-              <a:t>s1</a:t>
-            </a:r>
-            <a:r>
-              <a:rPr lang="en-US" dirty="0" smtClean="0"/>
-              <a:t> using </a:t>
-            </a:r>
-            <a:r>
-              <a:rPr lang="en-US" dirty="0" err="1" smtClean="0"/>
-              <a:t>R</a:t>
-            </a:r>
-            <a:r>
-              <a:rPr lang="en-US" baseline="30000" dirty="0" err="1" smtClean="0"/>
-              <a:t>i</a:t>
-            </a:r>
-            <a:r>
-              <a:rPr lang="en-US" dirty="0" smtClean="0"/>
-              <a:t> and verify MAC</a:t>
+              <a:t>             Ci+1=H(Na||Rs1)</a:t>
             </a:r>
           </a:p>
           <a:p>
@@ -7891,69 +6284,7 @@
             </a:pPr>
             <a:r>
               <a:rPr lang="en-US" dirty="0" smtClean="0"/>
-              <a:t>             Generate N</a:t>
-            </a:r>
-            <a:r>
-              <a:rPr lang="en-US" baseline="-25000" dirty="0" smtClean="0"/>
-              <a:t>A</a:t>
-            </a:r>
-          </a:p>
-          <a:p>
-            <a:pPr marL="0" indent="0">
-              <a:buNone/>
-            </a:pPr>
-            <a:r>
-              <a:rPr lang="en-US" dirty="0" smtClean="0"/>
-              <a:t>             C</a:t>
-            </a:r>
-            <a:r>
-              <a:rPr lang="en-US" baseline="30000" dirty="0" smtClean="0"/>
-              <a:t>i+1</a:t>
-            </a:r>
-            <a:r>
-              <a:rPr lang="en-US" dirty="0" smtClean="0"/>
-              <a:t>=H(N</a:t>
-            </a:r>
-            <a:r>
-              <a:rPr lang="en-US" baseline="-25000" dirty="0" smtClean="0"/>
-              <a:t>A</a:t>
-            </a:r>
-            <a:r>
-              <a:rPr lang="en-US" dirty="0" smtClean="0"/>
-              <a:t>||R</a:t>
-            </a:r>
-            <a:r>
-              <a:rPr lang="en-US" baseline="-25000" dirty="0" smtClean="0"/>
-              <a:t>s1</a:t>
-            </a:r>
-            <a:r>
-              <a:rPr lang="en-US" dirty="0" smtClean="0"/>
-              <a:t>)</a:t>
-            </a:r>
-          </a:p>
-          <a:p>
-            <a:pPr marL="0" indent="0">
-              <a:buNone/>
-            </a:pPr>
-            <a:r>
-              <a:rPr lang="en-US" dirty="0" smtClean="0"/>
-              <a:t>             R</a:t>
-            </a:r>
-            <a:r>
-              <a:rPr lang="en-US" baseline="30000" dirty="0" smtClean="0"/>
-              <a:t>i+1</a:t>
-            </a:r>
-            <a:r>
-              <a:rPr lang="en-US" dirty="0" smtClean="0"/>
-              <a:t>=P</a:t>
-            </a:r>
-            <a:r>
-              <a:rPr lang="en-US" baseline="-25000" dirty="0" smtClean="0"/>
-              <a:t>A</a:t>
-            </a:r>
-            <a:r>
-              <a:rPr lang="en-US" dirty="0" smtClean="0"/>
-              <a:t>(Ci+1)</a:t>
+              <a:t>             Ri+1=PA(Ci+1)</a:t>
             </a:r>
           </a:p>
           <a:p>
@@ -7970,49 +6301,13 @@
             </a:r>
             <a:r>
               <a:rPr lang="en-US" dirty="0" smtClean="0"/>
-              <a:t>={ID</a:t>
-            </a:r>
-            <a:r>
-              <a:rPr lang="en-US" baseline="-25000" dirty="0" smtClean="0"/>
-              <a:t>A</a:t>
-            </a:r>
-            <a:r>
-              <a:rPr lang="en-US" dirty="0" smtClean="0"/>
-              <a:t>,N</a:t>
-            </a:r>
-            <a:r>
-              <a:rPr lang="en-US" baseline="-25000" dirty="0" smtClean="0"/>
-              <a:t>A</a:t>
-            </a:r>
-            <a:r>
-              <a:rPr lang="en-US" dirty="0" smtClean="0"/>
-              <a:t>,R</a:t>
-            </a:r>
-            <a:r>
-              <a:rPr lang="en-US" baseline="-25000" dirty="0" smtClean="0"/>
-              <a:t>s1</a:t>
-            </a:r>
-            <a:r>
-              <a:rPr lang="en-US" dirty="0" smtClean="0"/>
-              <a:t>,R</a:t>
-            </a:r>
-            <a:r>
-              <a:rPr lang="en-US" baseline="30000" dirty="0" smtClean="0"/>
-              <a:t>i+1</a:t>
-            </a:r>
-            <a:r>
-              <a:rPr lang="en-US" dirty="0" smtClean="0"/>
-              <a:t>}</a:t>
-            </a:r>
-            <a:r>
-              <a:rPr lang="en-US" baseline="-25000" dirty="0" err="1" smtClean="0"/>
-              <a:t>R</a:t>
-            </a:r>
-            <a:r>
-              <a:rPr lang="en-US" baseline="30000" dirty="0" err="1"/>
-              <a:t>i</a:t>
-            </a:r>
-            <a:endParaRPr lang="en-US" baseline="30000" dirty="0" smtClean="0"/>
+              <a:t>={Ida,NA,Rs1,Ri+1}</a:t>
+            </a:r>
+            <a:r>
+              <a:rPr lang="en-US" dirty="0" err="1" smtClean="0"/>
+              <a:t>Ri</a:t>
+            </a:r>
+            <a:endParaRPr lang="en-US" dirty="0" smtClean="0"/>
           </a:p>
           <a:p>
             <a:pPr marL="0" indent="0">
@@ -8024,51 +6319,27 @@
             </a:r>
             <a:r>
               <a:rPr lang="en-US" dirty="0" err="1" smtClean="0"/>
-              <a:t>M</a:t>
-            </a:r>
-            <a:r>
-              <a:rPr lang="en-US" baseline="-25000" dirty="0" err="1" smtClean="0"/>
-              <a:t>s</a:t>
+              <a:t>Ms,MAC</a:t>
+            </a:r>
+            <a:r>
+              <a:rPr lang="en-US" dirty="0" smtClean="0"/>
+              <a:t>(</a:t>
             </a:r>
             <a:r>
               <a:rPr lang="en-US" dirty="0" err="1" smtClean="0"/>
-              <a:t>,MAC</a:t>
-            </a:r>
-            <a:r>
-              <a:rPr lang="en-US" dirty="0" smtClean="0"/>
-              <a:t>(</a:t>
+              <a:t>Ms</a:t>
+            </a:r>
+            <a:r>
+              <a:rPr lang="en-US" dirty="0" smtClean="0"/>
+              <a:t>||</a:t>
             </a:r>
             <a:r>
               <a:rPr lang="en-US" dirty="0" err="1" smtClean="0"/>
-              <a:t>M</a:t>
-            </a:r>
-            <a:r>
-              <a:rPr lang="en-US" baseline="-25000" dirty="0" err="1" smtClean="0"/>
-              <a:t>s</a:t>
-            </a:r>
-            <a:r>
-              <a:rPr lang="en-US" dirty="0" smtClean="0"/>
-              <a:t>||</a:t>
-            </a:r>
-            <a:r>
-              <a:rPr lang="en-US" dirty="0" err="1" smtClean="0"/>
-              <a:t>R</a:t>
-            </a:r>
-            <a:r>
-              <a:rPr lang="en-US" baseline="30000" dirty="0" err="1" smtClean="0"/>
-              <a:t>i</a:t>
-            </a:r>
-            <a:r>
-              <a:rPr lang="en-US" dirty="0" smtClean="0"/>
-              <a:t>||N</a:t>
-            </a:r>
-            <a:r>
-              <a:rPr lang="en-US" baseline="-25000" dirty="0"/>
-              <a:t>A</a:t>
-            </a:r>
-            <a:r>
-              <a:rPr lang="en-US" dirty="0" smtClean="0"/>
-              <a:t>)</a:t>
+              <a:t>Ri</a:t>
+            </a:r>
+            <a:r>
+              <a:rPr lang="en-US" dirty="0" smtClean="0"/>
+              <a:t>||Na)</a:t>
             </a:r>
           </a:p>
           <a:p>
@@ -8079,25 +6350,13 @@
     </p:spTree>
     <p:extLst>
       <p:ext uri="{BB962C8B-B14F-4D97-AF65-F5344CB8AC3E}">
-        <p14:creationId xmlns:p14="http://schemas.microsoft.com/office/powerpoint/2010/main" val="2987600917"/>
+        <p14:creationId xmlns:p14="http://schemas.microsoft.com/office/powerpoint/2010/main" xmlns="" val="2987600917"/>
       </p:ext>
     </p:extLst>
   </p:cSld>
   <p:clrMapOvr>
     <a:masterClrMapping/>
   </p:clrMapOvr>
-  <mc:AlternateContent xmlns:mc="http://schemas.openxmlformats.org/markup-compatibility/2006" xmlns:p14="http://schemas.microsoft.com/office/powerpoint/2010/main">
-    <mc:Choice Requires="p14">
-      <p:transition spd="slow" p14:dur="1600">
-        <p14:prism isContent="1" isInverted="1"/>
-      </p:transition>
-    </mc:Choice>
-    <mc:Fallback xmlns="">
-      <p:transition spd="slow">
-        <p:fade/>
-      </p:transition>
-    </mc:Fallback>
-  </mc:AlternateContent>
   <p:timing>
     <p:tnLst>
       <p:par>
@@ -8141,18 +6400,10 @@
           <a:lstStyle/>
           <a:p>
             <a:r>
-              <a:rPr lang="en-US" b="1" dirty="0" smtClean="0"/>
-              <a:t>Module 3</a:t>
-            </a:r>
-            <a:r>
-              <a:rPr lang="en-US" b="1" dirty="0"/>
-              <a:t> </a:t>
-            </a:r>
-            <a:r>
-              <a:rPr lang="en-US" b="1" dirty="0" smtClean="0"/>
-              <a:t>(Verification)</a:t>
-            </a:r>
-            <a:endParaRPr lang="en-US" b="1" dirty="0"/>
+              <a:rPr lang="en-US" dirty="0" smtClean="0"/>
+              <a:t>Module 3:</a:t>
+            </a:r>
+            <a:endParaRPr lang="en-US" dirty="0"/>
           </a:p>
         </p:txBody>
       </p:sp>
@@ -8179,52 +6430,28 @@
               <a:t> Input: </a:t>
             </a:r>
             <a:r>
-              <a:rPr lang="en-US" dirty="0" err="1"/>
-              <a:t>M</a:t>
-            </a:r>
-            <a:r>
-              <a:rPr lang="en-US" baseline="-25000" dirty="0" err="1"/>
-              <a:t>s</a:t>
-            </a:r>
-            <a:r>
-              <a:rPr lang="en-US" dirty="0" err="1"/>
-              <a:t>,MAC</a:t>
-            </a:r>
-            <a:r>
-              <a:rPr lang="en-US" dirty="0"/>
+              <a:rPr lang="en-US" dirty="0" err="1" smtClean="0"/>
+              <a:t>Ms,MAC</a:t>
+            </a:r>
+            <a:r>
+              <a:rPr lang="en-US" dirty="0" smtClean="0"/>
               <a:t>(</a:t>
             </a:r>
             <a:r>
-              <a:rPr lang="en-US" dirty="0" err="1"/>
-              <a:t>M</a:t>
-            </a:r>
-            <a:r>
-              <a:rPr lang="en-US" baseline="-25000" dirty="0" err="1"/>
-              <a:t>s</a:t>
-            </a:r>
-            <a:r>
-              <a:rPr lang="en-US" dirty="0"/>
+              <a:rPr lang="en-US" dirty="0" err="1" smtClean="0"/>
+              <a:t>Ms</a:t>
+            </a:r>
+            <a:r>
+              <a:rPr lang="en-US" dirty="0" smtClean="0"/>
               <a:t>||</a:t>
             </a:r>
             <a:r>
-              <a:rPr lang="en-US" dirty="0" err="1"/>
-              <a:t>R</a:t>
-            </a:r>
-            <a:r>
-              <a:rPr lang="en-US" baseline="30000" dirty="0" err="1"/>
-              <a:t>i</a:t>
-            </a:r>
-            <a:r>
-              <a:rPr lang="en-US" dirty="0"/>
-              <a:t>||N</a:t>
-            </a:r>
-            <a:r>
-              <a:rPr lang="en-US" baseline="-25000" dirty="0"/>
-              <a:t>A</a:t>
-            </a:r>
-            <a:r>
-              <a:rPr lang="en-US" dirty="0" smtClean="0"/>
-              <a:t>)</a:t>
+              <a:rPr lang="en-US" dirty="0" err="1" smtClean="0"/>
+              <a:t>Ri</a:t>
+            </a:r>
+            <a:r>
+              <a:rPr lang="en-US" dirty="0" smtClean="0"/>
+              <a:t>||Na)</a:t>
             </a:r>
             <a:endParaRPr lang="en-US" baseline="-25000" dirty="0" smtClean="0"/>
           </a:p>
@@ -8234,7 +6461,7 @@
             </a:pPr>
             <a:r>
               <a:rPr lang="en-US" dirty="0" smtClean="0"/>
-              <a:t> Process:</a:t>
+              <a:t>    Process:</a:t>
             </a:r>
           </a:p>
           <a:p>
@@ -8243,33 +6470,13 @@
             </a:pPr>
             <a:r>
               <a:rPr lang="en-US" dirty="0" smtClean="0"/>
-              <a:t>             Obtain N</a:t>
-            </a:r>
-            <a:r>
-              <a:rPr lang="en-US" baseline="-25000" dirty="0" smtClean="0"/>
-              <a:t>A</a:t>
-            </a:r>
-            <a:r>
-              <a:rPr lang="en-US" dirty="0" smtClean="0"/>
-              <a:t> and R</a:t>
-            </a:r>
-            <a:r>
-              <a:rPr lang="en-US" baseline="30000" dirty="0" smtClean="0"/>
-              <a:t>i+1</a:t>
-            </a:r>
-            <a:r>
-              <a:rPr lang="en-US" dirty="0" smtClean="0"/>
-              <a:t> using </a:t>
+              <a:t>             Obtain NA and Ri+1 using </a:t>
             </a:r>
             <a:r>
               <a:rPr lang="en-US" dirty="0" err="1" smtClean="0"/>
-              <a:t>R</a:t>
-            </a:r>
-            <a:r>
-              <a:rPr lang="en-US" baseline="30000" dirty="0" err="1" smtClean="0"/>
-              <a:t>i</a:t>
-            </a:r>
-            <a:endParaRPr lang="en-US" baseline="30000" dirty="0" smtClean="0"/>
+              <a:t>Ri</a:t>
+            </a:r>
+            <a:endParaRPr lang="en-US" dirty="0" smtClean="0"/>
           </a:p>
           <a:p>
             <a:pPr marL="0" indent="0">
@@ -8286,31 +6493,7 @@
             </a:pPr>
             <a:r>
               <a:rPr lang="en-US" dirty="0" smtClean="0"/>
-              <a:t>             C</a:t>
-            </a:r>
-            <a:r>
-              <a:rPr lang="en-US" baseline="30000" dirty="0" smtClean="0"/>
-              <a:t>i+1</a:t>
-            </a:r>
-            <a:r>
-              <a:rPr lang="en-US" dirty="0" smtClean="0"/>
-              <a:t>=H(N</a:t>
-            </a:r>
-            <a:r>
-              <a:rPr lang="en-US" baseline="-25000" dirty="0" smtClean="0"/>
-              <a:t>A</a:t>
-            </a:r>
-            <a:r>
-              <a:rPr lang="en-US" dirty="0" smtClean="0"/>
-              <a:t>||R</a:t>
-            </a:r>
-            <a:r>
-              <a:rPr lang="en-US" baseline="-25000" dirty="0" smtClean="0"/>
-              <a:t>s1</a:t>
-            </a:r>
-            <a:r>
-              <a:rPr lang="en-US" dirty="0" smtClean="0"/>
-              <a:t>)</a:t>
+              <a:t>             Ci+1=H(NA||Rs1)</a:t>
             </a:r>
           </a:p>
           <a:p>
@@ -8319,7 +6502,7 @@
             </a:pPr>
             <a:r>
               <a:rPr lang="en-US" dirty="0" smtClean="0"/>
-              <a:t>  Output:</a:t>
+              <a:t>    Output:</a:t>
             </a:r>
           </a:p>
           <a:p>
@@ -8339,25 +6522,13 @@
     </p:spTree>
     <p:extLst>
       <p:ext uri="{BB962C8B-B14F-4D97-AF65-F5344CB8AC3E}">
-        <p14:creationId xmlns:p14="http://schemas.microsoft.com/office/powerpoint/2010/main" val="1892437815"/>
+        <p14:creationId xmlns:p14="http://schemas.microsoft.com/office/powerpoint/2010/main" xmlns="" val="1892437815"/>
       </p:ext>
     </p:extLst>
   </p:cSld>
   <p:clrMapOvr>
     <a:masterClrMapping/>
   </p:clrMapOvr>
-  <mc:AlternateContent xmlns:mc="http://schemas.openxmlformats.org/markup-compatibility/2006" xmlns:p14="http://schemas.microsoft.com/office/powerpoint/2010/main">
-    <mc:Choice Requires="p14">
-      <p:transition spd="slow" p14:dur="1500">
-        <p:split orient="vert"/>
-      </p:transition>
-    </mc:Choice>
-    <mc:Fallback xmlns="">
-      <p:transition spd="slow">
-        <p:split orient="vert"/>
-      </p:transition>
-    </mc:Fallback>
-  </mc:AlternateContent>
   <p:timing>
     <p:tnLst>
       <p:par>
@@ -8401,10 +6572,10 @@
           <a:lstStyle/>
           <a:p>
             <a:r>
-              <a:rPr lang="en-US" b="1" dirty="0" smtClean="0"/>
+              <a:rPr lang="en-US" dirty="0" smtClean="0"/>
               <a:t>Flow Diagram</a:t>
             </a:r>
-            <a:endParaRPr lang="en-US" b="1" dirty="0"/>
+            <a:endParaRPr lang="en-US" dirty="0"/>
           </a:p>
         </p:txBody>
       </p:sp>
@@ -8930,25 +7101,13 @@
     </p:spTree>
     <p:extLst>
       <p:ext uri="{BB962C8B-B14F-4D97-AF65-F5344CB8AC3E}">
-        <p14:creationId xmlns:p14="http://schemas.microsoft.com/office/powerpoint/2010/main" val="2652306992"/>
+        <p14:creationId xmlns:p14="http://schemas.microsoft.com/office/powerpoint/2010/main" xmlns="" val="2652306992"/>
       </p:ext>
     </p:extLst>
   </p:cSld>
   <p:clrMapOvr>
     <a:masterClrMapping/>
   </p:clrMapOvr>
-  <mc:AlternateContent xmlns:mc="http://schemas.openxmlformats.org/markup-compatibility/2006" xmlns:p15="http://schemas.microsoft.com/office/powerpoint/2012/main">
-    <mc:Choice Requires="p15">
-      <p:transition xmlns:p14="http://schemas.microsoft.com/office/powerpoint/2010/main" spd="slow" p14:dur="1250">
-        <p15:prstTrans prst="peelOff"/>
-      </p:transition>
-    </mc:Choice>
-    <mc:Fallback xmlns="">
-      <p:transition spd="slow">
-        <p:fade/>
-      </p:transition>
-    </mc:Fallback>
-  </mc:AlternateContent>
   <p:timing>
     <p:tnLst>
       <p:par>
@@ -9214,7 +7373,7 @@
   <a:extraClrSchemeLst/>
   <a:extLst>
     <a:ext uri="{05A4C25C-085E-4340-85A3-A5531E510DB2}">
-      <thm15:themeFamily xmlns:thm15="http://schemas.microsoft.com/office/thememl/2012/main" name="Office Theme" id="{62F939B6-93AF-4DB8-9C6B-D6C7DFDC589F}" vid="{4A3C46E8-61CC-4603-A589-7422A47A8E4A}"/>
+      <thm15:themeFamily xmlns:thm15="http://schemas.microsoft.com/office/thememl/2012/main" xmlns="" name="Office Theme" id="{62F939B6-93AF-4DB8-9C6B-D6C7DFDC589F}" vid="{4A3C46E8-61CC-4603-A589-7422A47A8E4A}"/>
     </a:ext>
   </a:extLst>
 </a:theme>
